--- a/Project Description.pptx
+++ b/Project Description.pptx
@@ -8,10 +8,16 @@
     <p:sldId id="256" r:id="rId2"/>
     <p:sldId id="257" r:id="rId3"/>
     <p:sldId id="258" r:id="rId4"/>
-    <p:sldId id="259" r:id="rId5"/>
-    <p:sldId id="260" r:id="rId6"/>
-    <p:sldId id="261" r:id="rId7"/>
-    <p:sldId id="262" r:id="rId8"/>
+    <p:sldId id="263" r:id="rId5"/>
+    <p:sldId id="264" r:id="rId6"/>
+    <p:sldId id="265" r:id="rId7"/>
+    <p:sldId id="266" r:id="rId8"/>
+    <p:sldId id="267" r:id="rId9"/>
+    <p:sldId id="268" r:id="rId10"/>
+    <p:sldId id="259" r:id="rId11"/>
+    <p:sldId id="260" r:id="rId12"/>
+    <p:sldId id="261" r:id="rId13"/>
+    <p:sldId id="262" r:id="rId14"/>
   </p:sldIdLst>
   <p:sldSz cx="12192000" cy="6858000"/>
   <p:notesSz cx="6858000" cy="9144000"/>
@@ -110,6 +116,11 @@
       </a:defRPr>
     </a:lvl9pPr>
   </p:defaultTextStyle>
+  <p:extLst>
+    <p:ext uri="{EFAFB233-063F-42B5-8137-9DF3F51BA10A}">
+      <p15:sldGuideLst xmlns:p15="http://schemas.microsoft.com/office/powerpoint/2012/main"/>
+    </p:ext>
+  </p:extLst>
 </p:presentation>
 </file>
 
@@ -260,7 +271,7 @@
           <a:p>
             <a:fld id="{AECD0FF9-A012-4EFC-B810-10AFD38546D6}" type="datetimeFigureOut">
               <a:rPr lang="zh-CN" altLang="en-US" smtClean="0"/>
-              <a:t>2019/12/15</a:t>
+              <a:t>2019/12/16</a:t>
             </a:fld>
             <a:endParaRPr lang="zh-CN" altLang="en-US"/>
           </a:p>
@@ -458,7 +469,7 @@
           <a:p>
             <a:fld id="{AECD0FF9-A012-4EFC-B810-10AFD38546D6}" type="datetimeFigureOut">
               <a:rPr lang="zh-CN" altLang="en-US" smtClean="0"/>
-              <a:t>2019/12/15</a:t>
+              <a:t>2019/12/16</a:t>
             </a:fld>
             <a:endParaRPr lang="zh-CN" altLang="en-US"/>
           </a:p>
@@ -666,7 +677,7 @@
           <a:p>
             <a:fld id="{AECD0FF9-A012-4EFC-B810-10AFD38546D6}" type="datetimeFigureOut">
               <a:rPr lang="zh-CN" altLang="en-US" smtClean="0"/>
-              <a:t>2019/12/15</a:t>
+              <a:t>2019/12/16</a:t>
             </a:fld>
             <a:endParaRPr lang="zh-CN" altLang="en-US"/>
           </a:p>
@@ -864,7 +875,7 @@
           <a:p>
             <a:fld id="{AECD0FF9-A012-4EFC-B810-10AFD38546D6}" type="datetimeFigureOut">
               <a:rPr lang="zh-CN" altLang="en-US" smtClean="0"/>
-              <a:t>2019/12/15</a:t>
+              <a:t>2019/12/16</a:t>
             </a:fld>
             <a:endParaRPr lang="zh-CN" altLang="en-US"/>
           </a:p>
@@ -1139,7 +1150,7 @@
           <a:p>
             <a:fld id="{AECD0FF9-A012-4EFC-B810-10AFD38546D6}" type="datetimeFigureOut">
               <a:rPr lang="zh-CN" altLang="en-US" smtClean="0"/>
-              <a:t>2019/12/15</a:t>
+              <a:t>2019/12/16</a:t>
             </a:fld>
             <a:endParaRPr lang="zh-CN" altLang="en-US"/>
           </a:p>
@@ -1404,7 +1415,7 @@
           <a:p>
             <a:fld id="{AECD0FF9-A012-4EFC-B810-10AFD38546D6}" type="datetimeFigureOut">
               <a:rPr lang="zh-CN" altLang="en-US" smtClean="0"/>
-              <a:t>2019/12/15</a:t>
+              <a:t>2019/12/16</a:t>
             </a:fld>
             <a:endParaRPr lang="zh-CN" altLang="en-US"/>
           </a:p>
@@ -1816,7 +1827,7 @@
           <a:p>
             <a:fld id="{AECD0FF9-A012-4EFC-B810-10AFD38546D6}" type="datetimeFigureOut">
               <a:rPr lang="zh-CN" altLang="en-US" smtClean="0"/>
-              <a:t>2019/12/15</a:t>
+              <a:t>2019/12/16</a:t>
             </a:fld>
             <a:endParaRPr lang="zh-CN" altLang="en-US"/>
           </a:p>
@@ -1957,7 +1968,7 @@
           <a:p>
             <a:fld id="{AECD0FF9-A012-4EFC-B810-10AFD38546D6}" type="datetimeFigureOut">
               <a:rPr lang="zh-CN" altLang="en-US" smtClean="0"/>
-              <a:t>2019/12/15</a:t>
+              <a:t>2019/12/16</a:t>
             </a:fld>
             <a:endParaRPr lang="zh-CN" altLang="en-US"/>
           </a:p>
@@ -2070,7 +2081,7 @@
           <a:p>
             <a:fld id="{AECD0FF9-A012-4EFC-B810-10AFD38546D6}" type="datetimeFigureOut">
               <a:rPr lang="zh-CN" altLang="en-US" smtClean="0"/>
-              <a:t>2019/12/15</a:t>
+              <a:t>2019/12/16</a:t>
             </a:fld>
             <a:endParaRPr lang="zh-CN" altLang="en-US"/>
           </a:p>
@@ -2381,7 +2392,7 @@
           <a:p>
             <a:fld id="{AECD0FF9-A012-4EFC-B810-10AFD38546D6}" type="datetimeFigureOut">
               <a:rPr lang="zh-CN" altLang="en-US" smtClean="0"/>
-              <a:t>2019/12/15</a:t>
+              <a:t>2019/12/16</a:t>
             </a:fld>
             <a:endParaRPr lang="zh-CN" altLang="en-US"/>
           </a:p>
@@ -2669,7 +2680,7 @@
           <a:p>
             <a:fld id="{AECD0FF9-A012-4EFC-B810-10AFD38546D6}" type="datetimeFigureOut">
               <a:rPr lang="zh-CN" altLang="en-US" smtClean="0"/>
-              <a:t>2019/12/15</a:t>
+              <a:t>2019/12/16</a:t>
             </a:fld>
             <a:endParaRPr lang="zh-CN" altLang="en-US"/>
           </a:p>
@@ -2910,7 +2921,7 @@
           <a:p>
             <a:fld id="{AECD0FF9-A012-4EFC-B810-10AFD38546D6}" type="datetimeFigureOut">
               <a:rPr lang="zh-CN" altLang="en-US" smtClean="0"/>
-              <a:t>2019/12/15</a:t>
+              <a:t>2019/12/16</a:t>
             </a:fld>
             <a:endParaRPr lang="zh-CN" altLang="en-US"/>
           </a:p>
@@ -3412,6 +3423,400 @@
 </p:sld>
 </file>
 
+<file path=ppt/slides/slide10.xml><?xml version="1.0" encoding="utf-8"?>
+<p:sld xmlns:a="http://schemas.openxmlformats.org/drawingml/2006/main" xmlns:r="http://schemas.openxmlformats.org/officeDocument/2006/relationships" xmlns:p="http://schemas.openxmlformats.org/presentationml/2006/main">
+  <p:cSld>
+    <p:spTree>
+      <p:nvGrpSpPr>
+        <p:cNvPr id="1" name=""/>
+        <p:cNvGrpSpPr/>
+        <p:nvPr/>
+      </p:nvGrpSpPr>
+      <p:grpSpPr>
+        <a:xfrm>
+          <a:off x="0" y="0"/>
+          <a:ext cx="0" cy="0"/>
+          <a:chOff x="0" y="0"/>
+          <a:chExt cx="0" cy="0"/>
+        </a:xfrm>
+      </p:grpSpPr>
+      <p:sp>
+        <p:nvSpPr>
+          <p:cNvPr id="2" name="标题 1">
+            <a:extLst>
+              <a:ext uri="{FF2B5EF4-FFF2-40B4-BE49-F238E27FC236}">
+                <a16:creationId xmlns:a16="http://schemas.microsoft.com/office/drawing/2014/main" id="{C486D92D-96CF-42EF-BA56-A245F9873DB0}"/>
+              </a:ext>
+            </a:extLst>
+          </p:cNvPr>
+          <p:cNvSpPr>
+            <a:spLocks noGrp="1"/>
+          </p:cNvSpPr>
+          <p:nvPr>
+            <p:ph type="title"/>
+          </p:nvPr>
+        </p:nvSpPr>
+        <p:spPr/>
+        <p:txBody>
+          <a:bodyPr/>
+          <a:lstStyle/>
+          <a:p>
+            <a:r>
+              <a:rPr lang="en-US" altLang="zh-CN" dirty="0"/>
+              <a:t> OOP design</a:t>
+            </a:r>
+            <a:endParaRPr lang="zh-CN" altLang="en-US" dirty="0"/>
+          </a:p>
+        </p:txBody>
+      </p:sp>
+      <p:sp>
+        <p:nvSpPr>
+          <p:cNvPr id="3" name="内容占位符 2">
+            <a:extLst>
+              <a:ext uri="{FF2B5EF4-FFF2-40B4-BE49-F238E27FC236}">
+                <a16:creationId xmlns:a16="http://schemas.microsoft.com/office/drawing/2014/main" id="{AA5F5329-EB03-4971-8725-B860BF337C0A}"/>
+              </a:ext>
+            </a:extLst>
+          </p:cNvPr>
+          <p:cNvSpPr>
+            <a:spLocks noGrp="1"/>
+          </p:cNvSpPr>
+          <p:nvPr>
+            <p:ph idx="1"/>
+          </p:nvPr>
+        </p:nvSpPr>
+        <p:spPr/>
+        <p:txBody>
+          <a:bodyPr/>
+          <a:lstStyle/>
+          <a:p>
+            <a:r>
+              <a:rPr lang="en-US" altLang="zh-CN" dirty="0"/>
+              <a:t>Widely used Class and Object (Almost everything)</a:t>
+            </a:r>
+          </a:p>
+          <a:p>
+            <a:r>
+              <a:rPr lang="en-US" altLang="zh-CN" dirty="0"/>
+              <a:t>Single instance Classes for classes that should be unique (e.g. Setting, Network, Detection)</a:t>
+            </a:r>
+          </a:p>
+          <a:p>
+            <a:endParaRPr lang="zh-CN" altLang="en-US" dirty="0"/>
+          </a:p>
+        </p:txBody>
+      </p:sp>
+    </p:spTree>
+    <p:extLst>
+      <p:ext uri="{BB962C8B-B14F-4D97-AF65-F5344CB8AC3E}">
+        <p14:creationId xmlns:p14="http://schemas.microsoft.com/office/powerpoint/2010/main" val="1711113874"/>
+      </p:ext>
+    </p:extLst>
+  </p:cSld>
+  <p:clrMapOvr>
+    <a:masterClrMapping/>
+  </p:clrMapOvr>
+</p:sld>
+</file>
+
+<file path=ppt/slides/slide11.xml><?xml version="1.0" encoding="utf-8"?>
+<p:sld xmlns:a="http://schemas.openxmlformats.org/drawingml/2006/main" xmlns:r="http://schemas.openxmlformats.org/officeDocument/2006/relationships" xmlns:p="http://schemas.openxmlformats.org/presentationml/2006/main">
+  <p:cSld>
+    <p:spTree>
+      <p:nvGrpSpPr>
+        <p:cNvPr id="1" name=""/>
+        <p:cNvGrpSpPr/>
+        <p:nvPr/>
+      </p:nvGrpSpPr>
+      <p:grpSpPr>
+        <a:xfrm>
+          <a:off x="0" y="0"/>
+          <a:ext cx="0" cy="0"/>
+          <a:chOff x="0" y="0"/>
+          <a:chExt cx="0" cy="0"/>
+        </a:xfrm>
+      </p:grpSpPr>
+      <p:sp>
+        <p:nvSpPr>
+          <p:cNvPr id="2" name="标题 1">
+            <a:extLst>
+              <a:ext uri="{FF2B5EF4-FFF2-40B4-BE49-F238E27FC236}">
+                <a16:creationId xmlns:a16="http://schemas.microsoft.com/office/drawing/2014/main" id="{33E366C9-0DFF-464B-BBB1-1BC30F7525F0}"/>
+              </a:ext>
+            </a:extLst>
+          </p:cNvPr>
+          <p:cNvSpPr>
+            <a:spLocks noGrp="1"/>
+          </p:cNvSpPr>
+          <p:nvPr>
+            <p:ph type="title"/>
+          </p:nvPr>
+        </p:nvSpPr>
+        <p:spPr/>
+        <p:txBody>
+          <a:bodyPr/>
+          <a:lstStyle/>
+          <a:p>
+            <a:r>
+              <a:rPr lang="en-US" altLang="zh-CN" dirty="0"/>
+              <a:t>Data structures used </a:t>
+            </a:r>
+            <a:endParaRPr lang="zh-CN" altLang="en-US" dirty="0"/>
+          </a:p>
+        </p:txBody>
+      </p:sp>
+      <p:sp>
+        <p:nvSpPr>
+          <p:cNvPr id="3" name="内容占位符 2">
+            <a:extLst>
+              <a:ext uri="{FF2B5EF4-FFF2-40B4-BE49-F238E27FC236}">
+                <a16:creationId xmlns:a16="http://schemas.microsoft.com/office/drawing/2014/main" id="{838BA88A-5840-495B-AB24-AF1AF36B4214}"/>
+              </a:ext>
+            </a:extLst>
+          </p:cNvPr>
+          <p:cNvSpPr>
+            <a:spLocks noGrp="1"/>
+          </p:cNvSpPr>
+          <p:nvPr>
+            <p:ph idx="1"/>
+          </p:nvPr>
+        </p:nvSpPr>
+        <p:spPr/>
+        <p:txBody>
+          <a:bodyPr/>
+          <a:lstStyle/>
+          <a:p>
+            <a:r>
+              <a:rPr lang="en-US" altLang="zh-CN" dirty="0"/>
+              <a:t>We didn't implement any data structures from scratch. We make use of the excellent libraries provided by the STL and Qt, which contain complex data structures. And that is the point of abstraction, the very key to the art of programming.</a:t>
+            </a:r>
+            <a:endParaRPr lang="zh-CN" altLang="en-US" dirty="0"/>
+          </a:p>
+        </p:txBody>
+      </p:sp>
+    </p:spTree>
+    <p:extLst>
+      <p:ext uri="{BB962C8B-B14F-4D97-AF65-F5344CB8AC3E}">
+        <p14:creationId xmlns:p14="http://schemas.microsoft.com/office/powerpoint/2010/main" val="3827581956"/>
+      </p:ext>
+    </p:extLst>
+  </p:cSld>
+  <p:clrMapOvr>
+    <a:masterClrMapping/>
+  </p:clrMapOvr>
+</p:sld>
+</file>
+
+<file path=ppt/slides/slide12.xml><?xml version="1.0" encoding="utf-8"?>
+<p:sld xmlns:a="http://schemas.openxmlformats.org/drawingml/2006/main" xmlns:r="http://schemas.openxmlformats.org/officeDocument/2006/relationships" xmlns:p="http://schemas.openxmlformats.org/presentationml/2006/main">
+  <p:cSld>
+    <p:spTree>
+      <p:nvGrpSpPr>
+        <p:cNvPr id="1" name=""/>
+        <p:cNvGrpSpPr/>
+        <p:nvPr/>
+      </p:nvGrpSpPr>
+      <p:grpSpPr>
+        <a:xfrm>
+          <a:off x="0" y="0"/>
+          <a:ext cx="0" cy="0"/>
+          <a:chOff x="0" y="0"/>
+          <a:chExt cx="0" cy="0"/>
+        </a:xfrm>
+      </p:grpSpPr>
+      <p:sp>
+        <p:nvSpPr>
+          <p:cNvPr id="2" name="标题 1">
+            <a:extLst>
+              <a:ext uri="{FF2B5EF4-FFF2-40B4-BE49-F238E27FC236}">
+                <a16:creationId xmlns:a16="http://schemas.microsoft.com/office/drawing/2014/main" id="{BF824182-CD9C-4AD9-9058-78308177C2A3}"/>
+              </a:ext>
+            </a:extLst>
+          </p:cNvPr>
+          <p:cNvSpPr>
+            <a:spLocks noGrp="1"/>
+          </p:cNvSpPr>
+          <p:nvPr>
+            <p:ph type="title"/>
+          </p:nvPr>
+        </p:nvSpPr>
+        <p:spPr/>
+        <p:txBody>
+          <a:bodyPr/>
+          <a:lstStyle/>
+          <a:p>
+            <a:r>
+              <a:rPr lang="en-US" altLang="zh-CN" dirty="0"/>
+              <a:t>External libraries used</a:t>
+            </a:r>
+            <a:endParaRPr lang="zh-CN" altLang="en-US" dirty="0"/>
+          </a:p>
+        </p:txBody>
+      </p:sp>
+      <p:sp>
+        <p:nvSpPr>
+          <p:cNvPr id="3" name="内容占位符 2">
+            <a:extLst>
+              <a:ext uri="{FF2B5EF4-FFF2-40B4-BE49-F238E27FC236}">
+                <a16:creationId xmlns:a16="http://schemas.microsoft.com/office/drawing/2014/main" id="{B117AA3C-B15D-4CA8-9A0D-C1AAC6489CB6}"/>
+              </a:ext>
+            </a:extLst>
+          </p:cNvPr>
+          <p:cNvSpPr>
+            <a:spLocks noGrp="1"/>
+          </p:cNvSpPr>
+          <p:nvPr>
+            <p:ph idx="1"/>
+          </p:nvPr>
+        </p:nvSpPr>
+        <p:spPr/>
+        <p:txBody>
+          <a:bodyPr/>
+          <a:lstStyle/>
+          <a:p>
+            <a:r>
+              <a:rPr lang="en-US" altLang="zh-CN" dirty="0"/>
+              <a:t>QT (GUI, Socket, UUID generate)</a:t>
+            </a:r>
+          </a:p>
+          <a:p>
+            <a:r>
+              <a:rPr lang="en-US" altLang="zh-CN" dirty="0"/>
+              <a:t>OpenCV (Camera read, Iris detection)</a:t>
+            </a:r>
+          </a:p>
+          <a:p>
+            <a:r>
+              <a:rPr lang="en-US" altLang="zh-CN" dirty="0"/>
+              <a:t>Dlib (Facial recognition, Facial Landmark detection)</a:t>
+            </a:r>
+          </a:p>
+          <a:p>
+            <a:r>
+              <a:rPr lang="en-US" altLang="zh-CN" dirty="0"/>
+              <a:t>OpenGL (Live2D rendering)</a:t>
+            </a:r>
+          </a:p>
+          <a:p>
+            <a:r>
+              <a:rPr lang="en-US" altLang="zh-CN" dirty="0"/>
+              <a:t>Cubism (Live2D close source library ) </a:t>
+            </a:r>
+          </a:p>
+          <a:p>
+            <a:r>
+              <a:rPr lang="en-US" altLang="zh-CN" dirty="0"/>
+              <a:t>Json with modern C++ (Json data structure) </a:t>
+            </a:r>
+            <a:endParaRPr lang="zh-CN" altLang="en-US" dirty="0"/>
+          </a:p>
+        </p:txBody>
+      </p:sp>
+    </p:spTree>
+    <p:extLst>
+      <p:ext uri="{BB962C8B-B14F-4D97-AF65-F5344CB8AC3E}">
+        <p14:creationId xmlns:p14="http://schemas.microsoft.com/office/powerpoint/2010/main" val="248577771"/>
+      </p:ext>
+    </p:extLst>
+  </p:cSld>
+  <p:clrMapOvr>
+    <a:masterClrMapping/>
+  </p:clrMapOvr>
+</p:sld>
+</file>
+
+<file path=ppt/slides/slide13.xml><?xml version="1.0" encoding="utf-8"?>
+<p:sld xmlns:a="http://schemas.openxmlformats.org/drawingml/2006/main" xmlns:r="http://schemas.openxmlformats.org/officeDocument/2006/relationships" xmlns:p="http://schemas.openxmlformats.org/presentationml/2006/main">
+  <p:cSld>
+    <p:spTree>
+      <p:nvGrpSpPr>
+        <p:cNvPr id="1" name=""/>
+        <p:cNvGrpSpPr/>
+        <p:nvPr/>
+      </p:nvGrpSpPr>
+      <p:grpSpPr>
+        <a:xfrm>
+          <a:off x="0" y="0"/>
+          <a:ext cx="0" cy="0"/>
+          <a:chOff x="0" y="0"/>
+          <a:chExt cx="0" cy="0"/>
+        </a:xfrm>
+      </p:grpSpPr>
+      <p:sp>
+        <p:nvSpPr>
+          <p:cNvPr id="2" name="标题 1">
+            <a:extLst>
+              <a:ext uri="{FF2B5EF4-FFF2-40B4-BE49-F238E27FC236}">
+                <a16:creationId xmlns:a16="http://schemas.microsoft.com/office/drawing/2014/main" id="{66130AEF-E5F4-4D9C-97D0-36B4832DC207}"/>
+              </a:ext>
+            </a:extLst>
+          </p:cNvPr>
+          <p:cNvSpPr>
+            <a:spLocks noGrp="1"/>
+          </p:cNvSpPr>
+          <p:nvPr>
+            <p:ph type="title"/>
+          </p:nvPr>
+        </p:nvSpPr>
+        <p:spPr/>
+        <p:txBody>
+          <a:bodyPr/>
+          <a:lstStyle/>
+          <a:p>
+            <a:r>
+              <a:rPr lang="en-US" altLang="zh-CN" dirty="0"/>
+              <a:t>Conclusion</a:t>
+            </a:r>
+            <a:endParaRPr lang="zh-CN" altLang="en-US" dirty="0"/>
+          </a:p>
+        </p:txBody>
+      </p:sp>
+      <p:sp>
+        <p:nvSpPr>
+          <p:cNvPr id="3" name="内容占位符 2">
+            <a:extLst>
+              <a:ext uri="{FF2B5EF4-FFF2-40B4-BE49-F238E27FC236}">
+                <a16:creationId xmlns:a16="http://schemas.microsoft.com/office/drawing/2014/main" id="{6CF78855-8C3F-4080-ACB2-3C3BB868E9BF}"/>
+              </a:ext>
+            </a:extLst>
+          </p:cNvPr>
+          <p:cNvSpPr>
+            <a:spLocks noGrp="1"/>
+          </p:cNvSpPr>
+          <p:nvPr>
+            <p:ph idx="1"/>
+          </p:nvPr>
+        </p:nvSpPr>
+        <p:spPr/>
+        <p:txBody>
+          <a:bodyPr/>
+          <a:lstStyle/>
+          <a:p>
+            <a:r>
+              <a:rPr lang="en-US" altLang="zh-CN" dirty="0"/>
+              <a:t>In this project, we explore wide range to technic. During development, we tried different approach to the target and select the best to apply. Though didn’t produce a perfect product, we were able to setup good basic and structure for </a:t>
+            </a:r>
+            <a:r>
+              <a:rPr lang="en-US" altLang="zh-CN"/>
+              <a:t>future updates.</a:t>
+            </a:r>
+            <a:endParaRPr lang="zh-CN" altLang="en-US" dirty="0"/>
+          </a:p>
+        </p:txBody>
+      </p:sp>
+    </p:spTree>
+    <p:extLst>
+      <p:ext uri="{BB962C8B-B14F-4D97-AF65-F5344CB8AC3E}">
+        <p14:creationId xmlns:p14="http://schemas.microsoft.com/office/powerpoint/2010/main" val="2614397928"/>
+      </p:ext>
+    </p:extLst>
+  </p:cSld>
+  <p:clrMapOvr>
+    <a:masterClrMapping/>
+  </p:clrMapOvr>
+</p:sld>
+</file>
+
 <file path=ppt/slides/slide2.xml><?xml version="1.0" encoding="utf-8"?>
 <p:sld xmlns:a="http://schemas.openxmlformats.org/drawingml/2006/main" xmlns:r="http://schemas.openxmlformats.org/officeDocument/2006/relationships" xmlns:p="http://schemas.openxmlformats.org/presentationml/2006/main">
   <p:cSld>
@@ -3591,7 +3996,37 @@
           <a:bodyPr/>
           <a:lstStyle/>
           <a:p>
-            <a:endParaRPr lang="zh-CN" altLang="en-US"/>
+            <a:r>
+              <a:rPr lang="en-US" altLang="zh-CN" dirty="0"/>
+              <a:t>GUI</a:t>
+            </a:r>
+          </a:p>
+          <a:p>
+            <a:pPr lvl="1"/>
+            <a:r>
+              <a:rPr lang="en-US" altLang="zh-CN" dirty="0"/>
+              <a:t>Main window</a:t>
+            </a:r>
+          </a:p>
+          <a:p>
+            <a:pPr lvl="1"/>
+            <a:r>
+              <a:rPr lang="en-US" altLang="zh-CN" dirty="0"/>
+              <a:t>Setting</a:t>
+            </a:r>
+          </a:p>
+          <a:p>
+            <a:r>
+              <a:rPr lang="en-US" altLang="zh-CN" dirty="0"/>
+              <a:t>Computer vision</a:t>
+            </a:r>
+          </a:p>
+          <a:p>
+            <a:r>
+              <a:rPr lang="en-US" altLang="zh-CN" dirty="0"/>
+              <a:t>Live2D display</a:t>
+            </a:r>
+            <a:endParaRPr lang="zh-CN" altLang="en-US" dirty="0"/>
           </a:p>
         </p:txBody>
       </p:sp>
@@ -3630,7 +4065,7 @@
           <p:cNvPr id="2" name="标题 1">
             <a:extLst>
               <a:ext uri="{FF2B5EF4-FFF2-40B4-BE49-F238E27FC236}">
-                <a16:creationId xmlns:a16="http://schemas.microsoft.com/office/drawing/2014/main" id="{C486D92D-96CF-42EF-BA56-A245F9873DB0}"/>
+                <a16:creationId xmlns:a16="http://schemas.microsoft.com/office/drawing/2014/main" id="{59239BE8-149E-4E75-AB17-E586D4E39105}"/>
               </a:ext>
             </a:extLst>
           </p:cNvPr>
@@ -3648,7 +4083,7 @@
           <a:p>
             <a:r>
               <a:rPr lang="en-US" altLang="zh-CN" dirty="0"/>
-              <a:t> OOP design</a:t>
+              <a:t>Main window</a:t>
             </a:r>
             <a:endParaRPr lang="zh-CN" altLang="en-US" dirty="0"/>
           </a:p>
@@ -3659,7 +4094,7 @@
           <p:cNvPr id="3" name="内容占位符 2">
             <a:extLst>
               <a:ext uri="{FF2B5EF4-FFF2-40B4-BE49-F238E27FC236}">
-                <a16:creationId xmlns:a16="http://schemas.microsoft.com/office/drawing/2014/main" id="{AA5F5329-EB03-4971-8725-B860BF337C0A}"/>
+                <a16:creationId xmlns:a16="http://schemas.microsoft.com/office/drawing/2014/main" id="{6C1A62F4-2E21-48C3-B831-4C147E8E23F5}"/>
               </a:ext>
             </a:extLst>
           </p:cNvPr>
@@ -3677,18 +4112,328 @@
           <a:p>
             <a:r>
               <a:rPr lang="en-US" altLang="zh-CN" dirty="0"/>
-              <a:t>Widely used Class and Object(Almost everything)</a:t>
-            </a:r>
-          </a:p>
-          <a:p>
+              <a:t>Profile and Name</a:t>
+            </a:r>
+          </a:p>
+          <a:p>
+            <a:r>
+              <a:rPr lang="en-US" altLang="zh-CN" dirty="0"/>
+              <a:t>Setting</a:t>
+            </a:r>
+          </a:p>
+          <a:p>
+            <a:r>
+              <a:rPr lang="en-US" altLang="zh-CN" dirty="0"/>
+              <a:t>Call area</a:t>
+            </a:r>
+          </a:p>
+          <a:p>
+            <a:r>
+              <a:rPr lang="en-US" altLang="zh-CN" dirty="0"/>
+              <a:t>Selfie </a:t>
+            </a:r>
             <a:endParaRPr lang="zh-CN" altLang="en-US" dirty="0"/>
           </a:p>
         </p:txBody>
       </p:sp>
+      <p:pic>
+        <p:nvPicPr>
+          <p:cNvPr id="4" name="图片 3">
+            <a:extLst>
+              <a:ext uri="{FF2B5EF4-FFF2-40B4-BE49-F238E27FC236}">
+                <a16:creationId xmlns:a16="http://schemas.microsoft.com/office/drawing/2014/main" id="{37B067F4-F5B2-4319-B9CE-051FB4D68502}"/>
+              </a:ext>
+            </a:extLst>
+          </p:cNvPr>
+          <p:cNvPicPr>
+            <a:picLocks noChangeAspect="1"/>
+          </p:cNvPicPr>
+          <p:nvPr/>
+        </p:nvPicPr>
+        <p:blipFill>
+          <a:blip r:embed="rId2"/>
+          <a:stretch>
+            <a:fillRect/>
+          </a:stretch>
+        </p:blipFill>
+        <p:spPr>
+          <a:xfrm>
+            <a:off x="8629245" y="0"/>
+            <a:ext cx="3562755" cy="6858000"/>
+          </a:xfrm>
+          <a:prstGeom prst="rect">
+            <a:avLst/>
+          </a:prstGeom>
+        </p:spPr>
+      </p:pic>
+      <p:sp>
+        <p:nvSpPr>
+          <p:cNvPr id="5" name="矩形 4">
+            <a:extLst>
+              <a:ext uri="{FF2B5EF4-FFF2-40B4-BE49-F238E27FC236}">
+                <a16:creationId xmlns:a16="http://schemas.microsoft.com/office/drawing/2014/main" id="{A607AEAC-BBA5-41DE-AF87-98A9BFA3F27C}"/>
+              </a:ext>
+            </a:extLst>
+          </p:cNvPr>
+          <p:cNvSpPr/>
+          <p:nvPr/>
+        </p:nvSpPr>
+        <p:spPr>
+          <a:xfrm>
+            <a:off x="8629245" y="710214"/>
+            <a:ext cx="1713240" cy="674703"/>
+          </a:xfrm>
+          <a:prstGeom prst="rect">
+            <a:avLst/>
+          </a:prstGeom>
+          <a:noFill/>
+          <a:ln>
+            <a:solidFill>
+              <a:srgbClr val="FF0000"/>
+            </a:solidFill>
+          </a:ln>
+        </p:spPr>
+        <p:style>
+          <a:lnRef idx="2">
+            <a:schemeClr val="accent1">
+              <a:shade val="50000"/>
+            </a:schemeClr>
+          </a:lnRef>
+          <a:fillRef idx="1">
+            <a:schemeClr val="accent1"/>
+          </a:fillRef>
+          <a:effectRef idx="0">
+            <a:schemeClr val="accent1"/>
+          </a:effectRef>
+          <a:fontRef idx="minor">
+            <a:schemeClr val="lt1"/>
+          </a:fontRef>
+        </p:style>
+        <p:txBody>
+          <a:bodyPr rtlCol="0" anchor="ctr"/>
+          <a:lstStyle/>
+          <a:p>
+            <a:pPr algn="ctr"/>
+            <a:endParaRPr lang="zh-CN" altLang="en-US"/>
+          </a:p>
+        </p:txBody>
+      </p:sp>
+      <p:cxnSp>
+        <p:nvCxnSpPr>
+          <p:cNvPr id="7" name="直接箭头连接符 6">
+            <a:extLst>
+              <a:ext uri="{FF2B5EF4-FFF2-40B4-BE49-F238E27FC236}">
+                <a16:creationId xmlns:a16="http://schemas.microsoft.com/office/drawing/2014/main" id="{20A86450-48DC-402D-97F2-3CFC77EE179F}"/>
+              </a:ext>
+            </a:extLst>
+          </p:cNvPr>
+          <p:cNvCxnSpPr>
+            <a:cxnSpLocks/>
+          </p:cNvCxnSpPr>
+          <p:nvPr/>
+        </p:nvCxnSpPr>
+        <p:spPr>
+          <a:xfrm flipV="1">
+            <a:off x="3861786" y="1100832"/>
+            <a:ext cx="4669655" cy="1038686"/>
+          </a:xfrm>
+          <a:prstGeom prst="straightConnector1">
+            <a:avLst/>
+          </a:prstGeom>
+          <a:ln>
+            <a:tailEnd type="triangle"/>
+          </a:ln>
+        </p:spPr>
+        <p:style>
+          <a:lnRef idx="1">
+            <a:schemeClr val="accent1"/>
+          </a:lnRef>
+          <a:fillRef idx="0">
+            <a:schemeClr val="accent1"/>
+          </a:fillRef>
+          <a:effectRef idx="0">
+            <a:schemeClr val="accent1"/>
+          </a:effectRef>
+          <a:fontRef idx="minor">
+            <a:schemeClr val="tx1"/>
+          </a:fontRef>
+        </p:style>
+      </p:cxnSp>
+      <p:cxnSp>
+        <p:nvCxnSpPr>
+          <p:cNvPr id="10" name="直接箭头连接符 9">
+            <a:extLst>
+              <a:ext uri="{FF2B5EF4-FFF2-40B4-BE49-F238E27FC236}">
+                <a16:creationId xmlns:a16="http://schemas.microsoft.com/office/drawing/2014/main" id="{B20503BA-8986-4FD1-9E5F-AC58C2D8B59E}"/>
+              </a:ext>
+            </a:extLst>
+          </p:cNvPr>
+          <p:cNvCxnSpPr>
+            <a:cxnSpLocks/>
+          </p:cNvCxnSpPr>
+          <p:nvPr/>
+        </p:nvCxnSpPr>
+        <p:spPr>
+          <a:xfrm flipV="1">
+            <a:off x="2325950" y="532661"/>
+            <a:ext cx="6391922" cy="2050741"/>
+          </a:xfrm>
+          <a:prstGeom prst="straightConnector1">
+            <a:avLst/>
+          </a:prstGeom>
+          <a:ln>
+            <a:tailEnd type="triangle"/>
+          </a:ln>
+        </p:spPr>
+        <p:style>
+          <a:lnRef idx="1">
+            <a:schemeClr val="accent1"/>
+          </a:lnRef>
+          <a:fillRef idx="0">
+            <a:schemeClr val="accent1"/>
+          </a:fillRef>
+          <a:effectRef idx="0">
+            <a:schemeClr val="accent1"/>
+          </a:effectRef>
+          <a:fontRef idx="minor">
+            <a:schemeClr val="tx1"/>
+          </a:fontRef>
+        </p:style>
+      </p:cxnSp>
+      <p:sp>
+        <p:nvSpPr>
+          <p:cNvPr id="13" name="矩形 12">
+            <a:extLst>
+              <a:ext uri="{FF2B5EF4-FFF2-40B4-BE49-F238E27FC236}">
+                <a16:creationId xmlns:a16="http://schemas.microsoft.com/office/drawing/2014/main" id="{21D09E3B-AC82-4413-B232-51CD3AC0EDD3}"/>
+              </a:ext>
+            </a:extLst>
+          </p:cNvPr>
+          <p:cNvSpPr/>
+          <p:nvPr/>
+        </p:nvSpPr>
+        <p:spPr>
+          <a:xfrm>
+            <a:off x="8939814" y="3429000"/>
+            <a:ext cx="2982897" cy="2208320"/>
+          </a:xfrm>
+          <a:prstGeom prst="rect">
+            <a:avLst/>
+          </a:prstGeom>
+          <a:noFill/>
+          <a:ln>
+            <a:solidFill>
+              <a:srgbClr val="00B050"/>
+            </a:solidFill>
+          </a:ln>
+        </p:spPr>
+        <p:style>
+          <a:lnRef idx="2">
+            <a:schemeClr val="accent1">
+              <a:shade val="50000"/>
+            </a:schemeClr>
+          </a:lnRef>
+          <a:fillRef idx="1">
+            <a:schemeClr val="accent1"/>
+          </a:fillRef>
+          <a:effectRef idx="0">
+            <a:schemeClr val="accent1"/>
+          </a:effectRef>
+          <a:fontRef idx="minor">
+            <a:schemeClr val="lt1"/>
+          </a:fontRef>
+        </p:style>
+        <p:txBody>
+          <a:bodyPr rtlCol="0" anchor="ctr"/>
+          <a:lstStyle/>
+          <a:p>
+            <a:pPr algn="ctr"/>
+            <a:endParaRPr lang="zh-CN" altLang="en-US"/>
+          </a:p>
+        </p:txBody>
+      </p:sp>
+      <p:cxnSp>
+        <p:nvCxnSpPr>
+          <p:cNvPr id="15" name="直接箭头连接符 14">
+            <a:extLst>
+              <a:ext uri="{FF2B5EF4-FFF2-40B4-BE49-F238E27FC236}">
+                <a16:creationId xmlns:a16="http://schemas.microsoft.com/office/drawing/2014/main" id="{42AB186B-8BAF-4296-8E70-FEE83B60F502}"/>
+              </a:ext>
+            </a:extLst>
+          </p:cNvPr>
+          <p:cNvCxnSpPr/>
+          <p:nvPr/>
+        </p:nvCxnSpPr>
+        <p:spPr>
+          <a:xfrm>
+            <a:off x="2467992" y="3123229"/>
+            <a:ext cx="6471822" cy="1422138"/>
+          </a:xfrm>
+          <a:prstGeom prst="straightConnector1">
+            <a:avLst/>
+          </a:prstGeom>
+          <a:ln>
+            <a:tailEnd type="triangle"/>
+          </a:ln>
+        </p:spPr>
+        <p:style>
+          <a:lnRef idx="1">
+            <a:schemeClr val="accent1"/>
+          </a:lnRef>
+          <a:fillRef idx="0">
+            <a:schemeClr val="accent1"/>
+          </a:fillRef>
+          <a:effectRef idx="0">
+            <a:schemeClr val="accent1"/>
+          </a:effectRef>
+          <a:fontRef idx="minor">
+            <a:schemeClr val="tx1"/>
+          </a:fontRef>
+        </p:style>
+      </p:cxnSp>
+      <p:cxnSp>
+        <p:nvCxnSpPr>
+          <p:cNvPr id="17" name="直接箭头连接符 16">
+            <a:extLst>
+              <a:ext uri="{FF2B5EF4-FFF2-40B4-BE49-F238E27FC236}">
+                <a16:creationId xmlns:a16="http://schemas.microsoft.com/office/drawing/2014/main" id="{88DF7813-3EB4-469B-89EC-3422532F4989}"/>
+              </a:ext>
+            </a:extLst>
+          </p:cNvPr>
+          <p:cNvCxnSpPr/>
+          <p:nvPr/>
+        </p:nvCxnSpPr>
+        <p:spPr>
+          <a:xfrm>
+            <a:off x="2050742" y="3630967"/>
+            <a:ext cx="7815308" cy="2516819"/>
+          </a:xfrm>
+          <a:prstGeom prst="straightConnector1">
+            <a:avLst/>
+          </a:prstGeom>
+          <a:ln>
+            <a:tailEnd type="triangle"/>
+          </a:ln>
+        </p:spPr>
+        <p:style>
+          <a:lnRef idx="1">
+            <a:schemeClr val="accent1"/>
+          </a:lnRef>
+          <a:fillRef idx="0">
+            <a:schemeClr val="accent1"/>
+          </a:fillRef>
+          <a:effectRef idx="0">
+            <a:schemeClr val="accent1"/>
+          </a:effectRef>
+          <a:fontRef idx="minor">
+            <a:schemeClr val="tx1"/>
+          </a:fontRef>
+        </p:style>
+      </p:cxnSp>
     </p:spTree>
     <p:extLst>
       <p:ext uri="{BB962C8B-B14F-4D97-AF65-F5344CB8AC3E}">
-        <p14:creationId xmlns:p14="http://schemas.microsoft.com/office/powerpoint/2010/main" val="1711113874"/>
+        <p14:creationId xmlns:p14="http://schemas.microsoft.com/office/powerpoint/2010/main" val="955629660"/>
       </p:ext>
     </p:extLst>
   </p:cSld>
@@ -3720,7 +4465,7 @@
           <p:cNvPr id="2" name="标题 1">
             <a:extLst>
               <a:ext uri="{FF2B5EF4-FFF2-40B4-BE49-F238E27FC236}">
-                <a16:creationId xmlns:a16="http://schemas.microsoft.com/office/drawing/2014/main" id="{33E366C9-0DFF-464B-BBB1-1BC30F7525F0}"/>
+                <a16:creationId xmlns:a16="http://schemas.microsoft.com/office/drawing/2014/main" id="{E3E17E88-F6A7-4999-95AD-1D2EF3C72118}"/>
               </a:ext>
             </a:extLst>
           </p:cNvPr>
@@ -3738,7 +4483,7 @@
           <a:p>
             <a:r>
               <a:rPr lang="en-US" altLang="zh-CN" dirty="0"/>
-              <a:t>Data structures used </a:t>
+              <a:t>Setting</a:t>
             </a:r>
             <a:endParaRPr lang="zh-CN" altLang="en-US" dirty="0"/>
           </a:p>
@@ -3749,7 +4494,7 @@
           <p:cNvPr id="3" name="内容占位符 2">
             <a:extLst>
               <a:ext uri="{FF2B5EF4-FFF2-40B4-BE49-F238E27FC236}">
-                <a16:creationId xmlns:a16="http://schemas.microsoft.com/office/drawing/2014/main" id="{838BA88A-5840-495B-AB24-AF1AF36B4214}"/>
+                <a16:creationId xmlns:a16="http://schemas.microsoft.com/office/drawing/2014/main" id="{C14B5D8B-AF2D-4F11-852D-6D283A5F9E4E}"/>
               </a:ext>
             </a:extLst>
           </p:cNvPr>
@@ -3765,14 +4510,514 @@
           <a:bodyPr/>
           <a:lstStyle/>
           <a:p>
+            <a:r>
+              <a:rPr lang="en-US" altLang="zh-CN" dirty="0"/>
+              <a:t>Default values</a:t>
+            </a:r>
+          </a:p>
+          <a:p>
+            <a:r>
+              <a:rPr lang="en-US" altLang="zh-CN" dirty="0"/>
+              <a:t>Device settings</a:t>
+            </a:r>
+          </a:p>
+          <a:p>
+            <a:r>
+              <a:rPr lang="en-US" altLang="zh-CN" dirty="0"/>
+              <a:t>Debug Settings</a:t>
+            </a:r>
+            <a:endParaRPr lang="zh-CN" altLang="en-US" dirty="0"/>
+          </a:p>
+        </p:txBody>
+      </p:sp>
+      <p:pic>
+        <p:nvPicPr>
+          <p:cNvPr id="4" name="图片 3" descr="手机截图图社交软件的信息&#10;&#10;描述已自动生成">
+            <a:extLst>
+              <a:ext uri="{FF2B5EF4-FFF2-40B4-BE49-F238E27FC236}">
+                <a16:creationId xmlns:a16="http://schemas.microsoft.com/office/drawing/2014/main" id="{1ECA760E-0388-4445-AE28-E91B4CBB1950}"/>
+              </a:ext>
+            </a:extLst>
+          </p:cNvPr>
+          <p:cNvPicPr>
+            <a:picLocks noChangeAspect="1"/>
+          </p:cNvPicPr>
+          <p:nvPr/>
+        </p:nvPicPr>
+        <p:blipFill>
+          <a:blip r:embed="rId2"/>
+          <a:stretch>
+            <a:fillRect/>
+          </a:stretch>
+        </p:blipFill>
+        <p:spPr>
+          <a:xfrm>
+            <a:off x="6267450" y="1027906"/>
+            <a:ext cx="5924550" cy="5791200"/>
+          </a:xfrm>
+          <a:prstGeom prst="rect">
+            <a:avLst/>
+          </a:prstGeom>
+        </p:spPr>
+      </p:pic>
+      <p:cxnSp>
+        <p:nvCxnSpPr>
+          <p:cNvPr id="6" name="直接箭头连接符 5">
+            <a:extLst>
+              <a:ext uri="{FF2B5EF4-FFF2-40B4-BE49-F238E27FC236}">
+                <a16:creationId xmlns:a16="http://schemas.microsoft.com/office/drawing/2014/main" id="{D1798FFE-1058-4431-AF24-1DC38CE5BFD8}"/>
+              </a:ext>
+            </a:extLst>
+          </p:cNvPr>
+          <p:cNvCxnSpPr/>
+          <p:nvPr/>
+        </p:nvCxnSpPr>
+        <p:spPr>
+          <a:xfrm>
+            <a:off x="3435658" y="2079228"/>
+            <a:ext cx="4012707" cy="0"/>
+          </a:xfrm>
+          <a:prstGeom prst="straightConnector1">
+            <a:avLst/>
+          </a:prstGeom>
+          <a:ln>
+            <a:tailEnd type="triangle"/>
+          </a:ln>
+        </p:spPr>
+        <p:style>
+          <a:lnRef idx="1">
+            <a:schemeClr val="accent1"/>
+          </a:lnRef>
+          <a:fillRef idx="0">
+            <a:schemeClr val="accent1"/>
+          </a:fillRef>
+          <a:effectRef idx="0">
+            <a:schemeClr val="accent1"/>
+          </a:effectRef>
+          <a:fontRef idx="minor">
+            <a:schemeClr val="tx1"/>
+          </a:fontRef>
+        </p:style>
+      </p:cxnSp>
+      <p:cxnSp>
+        <p:nvCxnSpPr>
+          <p:cNvPr id="8" name="直接箭头连接符 7">
+            <a:extLst>
+              <a:ext uri="{FF2B5EF4-FFF2-40B4-BE49-F238E27FC236}">
+                <a16:creationId xmlns:a16="http://schemas.microsoft.com/office/drawing/2014/main" id="{F2988EC6-AB6E-4B0B-B8A0-39EB17A9B9EA}"/>
+              </a:ext>
+            </a:extLst>
+          </p:cNvPr>
+          <p:cNvCxnSpPr/>
+          <p:nvPr/>
+        </p:nvCxnSpPr>
+        <p:spPr>
+          <a:xfrm>
+            <a:off x="3435658" y="2086252"/>
+            <a:ext cx="4039340" cy="328474"/>
+          </a:xfrm>
+          <a:prstGeom prst="straightConnector1">
+            <a:avLst/>
+          </a:prstGeom>
+          <a:ln>
+            <a:tailEnd type="triangle"/>
+          </a:ln>
+        </p:spPr>
+        <p:style>
+          <a:lnRef idx="1">
+            <a:schemeClr val="accent1"/>
+          </a:lnRef>
+          <a:fillRef idx="0">
+            <a:schemeClr val="accent1"/>
+          </a:fillRef>
+          <a:effectRef idx="0">
+            <a:schemeClr val="accent1"/>
+          </a:effectRef>
+          <a:fontRef idx="minor">
+            <a:schemeClr val="tx1"/>
+          </a:fontRef>
+        </p:style>
+      </p:cxnSp>
+      <p:cxnSp>
+        <p:nvCxnSpPr>
+          <p:cNvPr id="12" name="直接箭头连接符 11">
+            <a:extLst>
+              <a:ext uri="{FF2B5EF4-FFF2-40B4-BE49-F238E27FC236}">
+                <a16:creationId xmlns:a16="http://schemas.microsoft.com/office/drawing/2014/main" id="{168E2D79-3891-4553-B24C-F055ED700F4A}"/>
+              </a:ext>
+            </a:extLst>
+          </p:cNvPr>
+          <p:cNvCxnSpPr/>
+          <p:nvPr/>
+        </p:nvCxnSpPr>
+        <p:spPr>
+          <a:xfrm>
+            <a:off x="3435658" y="2079228"/>
+            <a:ext cx="4012707" cy="1596127"/>
+          </a:xfrm>
+          <a:prstGeom prst="straightConnector1">
+            <a:avLst/>
+          </a:prstGeom>
+          <a:ln>
+            <a:tailEnd type="triangle"/>
+          </a:ln>
+        </p:spPr>
+        <p:style>
+          <a:lnRef idx="1">
+            <a:schemeClr val="accent1"/>
+          </a:lnRef>
+          <a:fillRef idx="0">
+            <a:schemeClr val="accent1"/>
+          </a:fillRef>
+          <a:effectRef idx="0">
+            <a:schemeClr val="accent1"/>
+          </a:effectRef>
+          <a:fontRef idx="minor">
+            <a:schemeClr val="tx1"/>
+          </a:fontRef>
+        </p:style>
+      </p:cxnSp>
+      <p:cxnSp>
+        <p:nvCxnSpPr>
+          <p:cNvPr id="16" name="直接箭头连接符 15">
+            <a:extLst>
+              <a:ext uri="{FF2B5EF4-FFF2-40B4-BE49-F238E27FC236}">
+                <a16:creationId xmlns:a16="http://schemas.microsoft.com/office/drawing/2014/main" id="{F81A8363-C1E1-450D-8EE8-BB0D74BD93DF}"/>
+              </a:ext>
+            </a:extLst>
+          </p:cNvPr>
+          <p:cNvCxnSpPr/>
+          <p:nvPr/>
+        </p:nvCxnSpPr>
+        <p:spPr>
+          <a:xfrm>
+            <a:off x="3435658" y="2072205"/>
+            <a:ext cx="4012707" cy="1851301"/>
+          </a:xfrm>
+          <a:prstGeom prst="straightConnector1">
+            <a:avLst/>
+          </a:prstGeom>
+          <a:ln>
+            <a:tailEnd type="triangle"/>
+          </a:ln>
+        </p:spPr>
+        <p:style>
+          <a:lnRef idx="1">
+            <a:schemeClr val="accent1"/>
+          </a:lnRef>
+          <a:fillRef idx="0">
+            <a:schemeClr val="accent1"/>
+          </a:fillRef>
+          <a:effectRef idx="0">
+            <a:schemeClr val="accent1"/>
+          </a:effectRef>
+          <a:fontRef idx="minor">
+            <a:schemeClr val="tx1"/>
+          </a:fontRef>
+        </p:style>
+      </p:cxnSp>
+      <p:cxnSp>
+        <p:nvCxnSpPr>
+          <p:cNvPr id="18" name="直接箭头连接符 17">
+            <a:extLst>
+              <a:ext uri="{FF2B5EF4-FFF2-40B4-BE49-F238E27FC236}">
+                <a16:creationId xmlns:a16="http://schemas.microsoft.com/office/drawing/2014/main" id="{B21B648C-D577-4902-8F64-CEFD267C448F}"/>
+              </a:ext>
+            </a:extLst>
+          </p:cNvPr>
+          <p:cNvCxnSpPr/>
+          <p:nvPr/>
+        </p:nvCxnSpPr>
+        <p:spPr>
+          <a:xfrm>
+            <a:off x="3435658" y="2079228"/>
+            <a:ext cx="6636798" cy="1844278"/>
+          </a:xfrm>
+          <a:prstGeom prst="straightConnector1">
+            <a:avLst/>
+          </a:prstGeom>
+          <a:ln>
+            <a:tailEnd type="triangle"/>
+          </a:ln>
+        </p:spPr>
+        <p:style>
+          <a:lnRef idx="1">
+            <a:schemeClr val="accent1"/>
+          </a:lnRef>
+          <a:fillRef idx="0">
+            <a:schemeClr val="accent1"/>
+          </a:fillRef>
+          <a:effectRef idx="0">
+            <a:schemeClr val="accent1"/>
+          </a:effectRef>
+          <a:fontRef idx="minor">
+            <a:schemeClr val="tx1"/>
+          </a:fontRef>
+        </p:style>
+      </p:cxnSp>
+      <p:cxnSp>
+        <p:nvCxnSpPr>
+          <p:cNvPr id="20" name="直接箭头连接符 19">
+            <a:extLst>
+              <a:ext uri="{FF2B5EF4-FFF2-40B4-BE49-F238E27FC236}">
+                <a16:creationId xmlns:a16="http://schemas.microsoft.com/office/drawing/2014/main" id="{E07DC611-2130-4BD0-8B30-EDC609714FA9}"/>
+              </a:ext>
+            </a:extLst>
+          </p:cNvPr>
+          <p:cNvCxnSpPr/>
+          <p:nvPr/>
+        </p:nvCxnSpPr>
+        <p:spPr>
+          <a:xfrm>
+            <a:off x="3435658" y="2086252"/>
+            <a:ext cx="5885895" cy="2210540"/>
+          </a:xfrm>
+          <a:prstGeom prst="straightConnector1">
+            <a:avLst/>
+          </a:prstGeom>
+          <a:ln>
+            <a:tailEnd type="triangle"/>
+          </a:ln>
+        </p:spPr>
+        <p:style>
+          <a:lnRef idx="1">
+            <a:schemeClr val="accent1"/>
+          </a:lnRef>
+          <a:fillRef idx="0">
+            <a:schemeClr val="accent1"/>
+          </a:fillRef>
+          <a:effectRef idx="0">
+            <a:schemeClr val="accent1"/>
+          </a:effectRef>
+          <a:fontRef idx="minor">
+            <a:schemeClr val="tx1"/>
+          </a:fontRef>
+        </p:style>
+      </p:cxnSp>
+      <p:cxnSp>
+        <p:nvCxnSpPr>
+          <p:cNvPr id="24" name="直接箭头连接符 23">
+            <a:extLst>
+              <a:ext uri="{FF2B5EF4-FFF2-40B4-BE49-F238E27FC236}">
+                <a16:creationId xmlns:a16="http://schemas.microsoft.com/office/drawing/2014/main" id="{43C9CB49-E98E-45C3-A418-88D81615E0EA}"/>
+              </a:ext>
+            </a:extLst>
+          </p:cNvPr>
+          <p:cNvCxnSpPr/>
+          <p:nvPr/>
+        </p:nvCxnSpPr>
+        <p:spPr>
+          <a:xfrm>
+            <a:off x="3435658" y="2592280"/>
+            <a:ext cx="4243526" cy="506027"/>
+          </a:xfrm>
+          <a:prstGeom prst="straightConnector1">
+            <a:avLst/>
+          </a:prstGeom>
+          <a:ln>
+            <a:solidFill>
+              <a:srgbClr val="FF0000"/>
+            </a:solidFill>
+            <a:tailEnd type="triangle"/>
+          </a:ln>
+        </p:spPr>
+        <p:style>
+          <a:lnRef idx="1">
+            <a:schemeClr val="accent1"/>
+          </a:lnRef>
+          <a:fillRef idx="0">
+            <a:schemeClr val="accent1"/>
+          </a:fillRef>
+          <a:effectRef idx="0">
+            <a:schemeClr val="accent1"/>
+          </a:effectRef>
+          <a:fontRef idx="minor">
+            <a:schemeClr val="tx1"/>
+          </a:fontRef>
+        </p:style>
+      </p:cxnSp>
+      <p:cxnSp>
+        <p:nvCxnSpPr>
+          <p:cNvPr id="26" name="直接箭头连接符 25">
+            <a:extLst>
+              <a:ext uri="{FF2B5EF4-FFF2-40B4-BE49-F238E27FC236}">
+                <a16:creationId xmlns:a16="http://schemas.microsoft.com/office/drawing/2014/main" id="{9F97C1A6-FD75-45C7-9FE5-F72386379252}"/>
+              </a:ext>
+            </a:extLst>
+          </p:cNvPr>
+          <p:cNvCxnSpPr/>
+          <p:nvPr/>
+        </p:nvCxnSpPr>
+        <p:spPr>
+          <a:xfrm>
+            <a:off x="3435658" y="2580605"/>
+            <a:ext cx="4589756" cy="2216616"/>
+          </a:xfrm>
+          <a:prstGeom prst="straightConnector1">
+            <a:avLst/>
+          </a:prstGeom>
+          <a:ln>
+            <a:solidFill>
+              <a:srgbClr val="FF0000"/>
+            </a:solidFill>
+            <a:tailEnd type="triangle"/>
+          </a:ln>
+        </p:spPr>
+        <p:style>
+          <a:lnRef idx="1">
+            <a:schemeClr val="accent1"/>
+          </a:lnRef>
+          <a:fillRef idx="0">
+            <a:schemeClr val="accent1"/>
+          </a:fillRef>
+          <a:effectRef idx="0">
+            <a:schemeClr val="accent1"/>
+          </a:effectRef>
+          <a:fontRef idx="minor">
+            <a:schemeClr val="tx1"/>
+          </a:fontRef>
+        </p:style>
+      </p:cxnSp>
+      <p:cxnSp>
+        <p:nvCxnSpPr>
+          <p:cNvPr id="28" name="直接箭头连接符 27">
+            <a:extLst>
+              <a:ext uri="{FF2B5EF4-FFF2-40B4-BE49-F238E27FC236}">
+                <a16:creationId xmlns:a16="http://schemas.microsoft.com/office/drawing/2014/main" id="{EFE401BD-729B-4CD6-9EC7-80ABAFCCBF73}"/>
+              </a:ext>
+            </a:extLst>
+          </p:cNvPr>
+          <p:cNvCxnSpPr/>
+          <p:nvPr/>
+        </p:nvCxnSpPr>
+        <p:spPr>
+          <a:xfrm>
+            <a:off x="3435658" y="2592280"/>
+            <a:ext cx="6977849" cy="2228295"/>
+          </a:xfrm>
+          <a:prstGeom prst="straightConnector1">
+            <a:avLst/>
+          </a:prstGeom>
+          <a:ln>
+            <a:solidFill>
+              <a:srgbClr val="FF0000"/>
+            </a:solidFill>
+            <a:tailEnd type="triangle"/>
+          </a:ln>
+        </p:spPr>
+        <p:style>
+          <a:lnRef idx="1">
+            <a:schemeClr val="accent1"/>
+          </a:lnRef>
+          <a:fillRef idx="0">
+            <a:schemeClr val="accent1"/>
+          </a:fillRef>
+          <a:effectRef idx="0">
+            <a:schemeClr val="accent1"/>
+          </a:effectRef>
+          <a:fontRef idx="minor">
+            <a:schemeClr val="tx1"/>
+          </a:fontRef>
+        </p:style>
+      </p:cxnSp>
+      <p:sp>
+        <p:nvSpPr>
+          <p:cNvPr id="30" name="矩形 29">
+            <a:extLst>
+              <a:ext uri="{FF2B5EF4-FFF2-40B4-BE49-F238E27FC236}">
+                <a16:creationId xmlns:a16="http://schemas.microsoft.com/office/drawing/2014/main" id="{23B6EE89-E603-4D3B-8869-0E2B4F42C582}"/>
+              </a:ext>
+            </a:extLst>
+          </p:cNvPr>
+          <p:cNvSpPr/>
+          <p:nvPr/>
+        </p:nvSpPr>
+        <p:spPr>
+          <a:xfrm>
+            <a:off x="6515100" y="5095783"/>
+            <a:ext cx="5354345" cy="798990"/>
+          </a:xfrm>
+          <a:prstGeom prst="rect">
+            <a:avLst/>
+          </a:prstGeom>
+          <a:noFill/>
+          <a:ln>
+            <a:solidFill>
+              <a:srgbClr val="00B050"/>
+            </a:solidFill>
+          </a:ln>
+        </p:spPr>
+        <p:style>
+          <a:lnRef idx="2">
+            <a:schemeClr val="accent1">
+              <a:shade val="50000"/>
+            </a:schemeClr>
+          </a:lnRef>
+          <a:fillRef idx="1">
+            <a:schemeClr val="accent1"/>
+          </a:fillRef>
+          <a:effectRef idx="0">
+            <a:schemeClr val="accent1"/>
+          </a:effectRef>
+          <a:fontRef idx="minor">
+            <a:schemeClr val="lt1"/>
+          </a:fontRef>
+        </p:style>
+        <p:txBody>
+          <a:bodyPr rtlCol="0" anchor="ctr"/>
+          <a:lstStyle/>
+          <a:p>
+            <a:pPr algn="ctr"/>
             <a:endParaRPr lang="zh-CN" altLang="en-US"/>
           </a:p>
         </p:txBody>
       </p:sp>
+      <p:cxnSp>
+        <p:nvCxnSpPr>
+          <p:cNvPr id="32" name="直接箭头连接符 31">
+            <a:extLst>
+              <a:ext uri="{FF2B5EF4-FFF2-40B4-BE49-F238E27FC236}">
+                <a16:creationId xmlns:a16="http://schemas.microsoft.com/office/drawing/2014/main" id="{0800B539-E82C-4D40-8D78-2E657AAB6813}"/>
+              </a:ext>
+            </a:extLst>
+          </p:cNvPr>
+          <p:cNvCxnSpPr/>
+          <p:nvPr/>
+        </p:nvCxnSpPr>
+        <p:spPr>
+          <a:xfrm>
+            <a:off x="3586579" y="3109982"/>
+            <a:ext cx="2928521" cy="1985801"/>
+          </a:xfrm>
+          <a:prstGeom prst="straightConnector1">
+            <a:avLst/>
+          </a:prstGeom>
+          <a:ln>
+            <a:solidFill>
+              <a:srgbClr val="00B050"/>
+            </a:solidFill>
+            <a:tailEnd type="triangle"/>
+          </a:ln>
+        </p:spPr>
+        <p:style>
+          <a:lnRef idx="1">
+            <a:schemeClr val="accent1"/>
+          </a:lnRef>
+          <a:fillRef idx="0">
+            <a:schemeClr val="accent1"/>
+          </a:fillRef>
+          <a:effectRef idx="0">
+            <a:schemeClr val="accent1"/>
+          </a:effectRef>
+          <a:fontRef idx="minor">
+            <a:schemeClr val="tx1"/>
+          </a:fontRef>
+        </p:style>
+      </p:cxnSp>
     </p:spTree>
     <p:extLst>
       <p:ext uri="{BB962C8B-B14F-4D97-AF65-F5344CB8AC3E}">
-        <p14:creationId xmlns:p14="http://schemas.microsoft.com/office/powerpoint/2010/main" val="3827581956"/>
+        <p14:creationId xmlns:p14="http://schemas.microsoft.com/office/powerpoint/2010/main" val="548236338"/>
       </p:ext>
     </p:extLst>
   </p:cSld>
@@ -3804,7 +5049,7 @@
           <p:cNvPr id="2" name="标题 1">
             <a:extLst>
               <a:ext uri="{FF2B5EF4-FFF2-40B4-BE49-F238E27FC236}">
-                <a16:creationId xmlns:a16="http://schemas.microsoft.com/office/drawing/2014/main" id="{BF824182-CD9C-4AD9-9058-78308177C2A3}"/>
+                <a16:creationId xmlns:a16="http://schemas.microsoft.com/office/drawing/2014/main" id="{116FB1E9-C331-41EA-9171-FF697CF72667}"/>
               </a:ext>
             </a:extLst>
           </p:cNvPr>
@@ -3822,7 +5067,7 @@
           <a:p>
             <a:r>
               <a:rPr lang="en-US" altLang="zh-CN" dirty="0"/>
-              <a:t>External libraries used</a:t>
+              <a:t>Computer vision</a:t>
             </a:r>
             <a:endParaRPr lang="zh-CN" altLang="en-US" dirty="0"/>
           </a:p>
@@ -3833,7 +5078,7 @@
           <p:cNvPr id="3" name="内容占位符 2">
             <a:extLst>
               <a:ext uri="{FF2B5EF4-FFF2-40B4-BE49-F238E27FC236}">
-                <a16:creationId xmlns:a16="http://schemas.microsoft.com/office/drawing/2014/main" id="{B117AA3C-B15D-4CA8-9A0D-C1AAC6489CB6}"/>
+                <a16:creationId xmlns:a16="http://schemas.microsoft.com/office/drawing/2014/main" id="{7082EF66-A3EB-4B73-858F-60FC632CE6AE}"/>
               </a:ext>
             </a:extLst>
           </p:cNvPr>
@@ -3849,14 +5094,43 @@
           <a:bodyPr/>
           <a:lstStyle/>
           <a:p>
-            <a:endParaRPr lang="zh-CN" altLang="en-US" dirty="0"/>
-          </a:p>
-        </p:txBody>
-      </p:sp>
+            <a:endParaRPr lang="zh-CN" altLang="en-US"/>
+          </a:p>
+        </p:txBody>
+      </p:sp>
+      <p:pic>
+        <p:nvPicPr>
+          <p:cNvPr id="8" name="图片 7">
+            <a:extLst>
+              <a:ext uri="{FF2B5EF4-FFF2-40B4-BE49-F238E27FC236}">
+                <a16:creationId xmlns:a16="http://schemas.microsoft.com/office/drawing/2014/main" id="{1F7652A5-F4A8-4962-B255-A5A5D82CCDBA}"/>
+              </a:ext>
+            </a:extLst>
+          </p:cNvPr>
+          <p:cNvPicPr>
+            <a:picLocks noChangeAspect="1"/>
+          </p:cNvPicPr>
+          <p:nvPr/>
+        </p:nvPicPr>
+        <p:blipFill rotWithShape="1">
+          <a:blip r:embed="rId2"/>
+          <a:srcRect l="2403" t="6963" r="8107" b="7432"/>
+          <a:stretch/>
+        </p:blipFill>
+        <p:spPr>
+          <a:xfrm>
+            <a:off x="1009095" y="1550249"/>
+            <a:ext cx="10173810" cy="5289719"/>
+          </a:xfrm>
+          <a:prstGeom prst="rect">
+            <a:avLst/>
+          </a:prstGeom>
+        </p:spPr>
+      </p:pic>
     </p:spTree>
     <p:extLst>
       <p:ext uri="{BB962C8B-B14F-4D97-AF65-F5344CB8AC3E}">
-        <p14:creationId xmlns:p14="http://schemas.microsoft.com/office/powerpoint/2010/main" val="248577771"/>
+        <p14:creationId xmlns:p14="http://schemas.microsoft.com/office/powerpoint/2010/main" val="1882574328"/>
       </p:ext>
     </p:extLst>
   </p:cSld>
@@ -3888,7 +5162,7 @@
           <p:cNvPr id="2" name="标题 1">
             <a:extLst>
               <a:ext uri="{FF2B5EF4-FFF2-40B4-BE49-F238E27FC236}">
-                <a16:creationId xmlns:a16="http://schemas.microsoft.com/office/drawing/2014/main" id="{66130AEF-E5F4-4D9C-97D0-36B4832DC207}"/>
+                <a16:creationId xmlns:a16="http://schemas.microsoft.com/office/drawing/2014/main" id="{78A0990F-8B1E-47E4-9A25-745E5CF35801}"/>
               </a:ext>
             </a:extLst>
           </p:cNvPr>
@@ -3904,43 +5178,415 @@
           <a:bodyPr/>
           <a:lstStyle/>
           <a:p>
+            <a:endParaRPr lang="zh-CN" altLang="en-US"/>
+          </a:p>
+        </p:txBody>
+      </p:sp>
+      <p:sp>
+        <p:nvSpPr>
+          <p:cNvPr id="3" name="内容占位符 2">
+            <a:extLst>
+              <a:ext uri="{FF2B5EF4-FFF2-40B4-BE49-F238E27FC236}">
+                <a16:creationId xmlns:a16="http://schemas.microsoft.com/office/drawing/2014/main" id="{056AC162-F28E-4823-86B6-BF0EFFA9D042}"/>
+              </a:ext>
+            </a:extLst>
+          </p:cNvPr>
+          <p:cNvSpPr>
+            <a:spLocks noGrp="1"/>
+          </p:cNvSpPr>
+          <p:nvPr>
+            <p:ph idx="1"/>
+          </p:nvPr>
+        </p:nvSpPr>
+        <p:spPr>
+          <a:xfrm>
+            <a:off x="838200" y="1825625"/>
+            <a:ext cx="4301971" cy="4351338"/>
+          </a:xfrm>
+        </p:spPr>
+        <p:txBody>
+          <a:bodyPr/>
+          <a:lstStyle/>
+          <a:p>
             <a:r>
               <a:rPr lang="en-US" altLang="zh-CN" dirty="0"/>
-              <a:t>Conclusion</a:t>
-            </a:r>
-            <a:endParaRPr lang="zh-CN" altLang="en-US" dirty="0"/>
-          </a:p>
-        </p:txBody>
-      </p:sp>
-      <p:sp>
-        <p:nvSpPr>
-          <p:cNvPr id="3" name="内容占位符 2">
-            <a:extLst>
-              <a:ext uri="{FF2B5EF4-FFF2-40B4-BE49-F238E27FC236}">
-                <a16:creationId xmlns:a16="http://schemas.microsoft.com/office/drawing/2014/main" id="{6CF78855-8C3F-4080-ACB2-3C3BB868E9BF}"/>
-              </a:ext>
-            </a:extLst>
-          </p:cNvPr>
-          <p:cNvSpPr>
-            <a:spLocks noGrp="1"/>
-          </p:cNvSpPr>
-          <p:nvPr>
-            <p:ph idx="1"/>
-          </p:nvPr>
-        </p:nvSpPr>
-        <p:spPr/>
-        <p:txBody>
-          <a:bodyPr/>
-          <a:lstStyle/>
-          <a:p>
-            <a:endParaRPr lang="zh-CN" altLang="en-US" dirty="0"/>
-          </a:p>
-        </p:txBody>
-      </p:sp>
+              <a:t>Facial recognition</a:t>
+            </a:r>
+          </a:p>
+          <a:p>
+            <a:pPr marL="457200" lvl="1" indent="0">
+              <a:buNone/>
+            </a:pPr>
+            <a:r>
+              <a:rPr lang="en-US" altLang="zh-CN" dirty="0"/>
+              <a:t>(Not shown)</a:t>
+            </a:r>
+          </a:p>
+          <a:p>
+            <a:r>
+              <a:rPr lang="en-US" altLang="zh-CN" dirty="0"/>
+              <a:t>Facial Landmark detection</a:t>
+            </a:r>
+          </a:p>
+          <a:p>
+            <a:pPr marL="457200" lvl="1" indent="0">
+              <a:buNone/>
+            </a:pPr>
+            <a:r>
+              <a:rPr lang="en-US" altLang="zh-CN" dirty="0"/>
+              <a:t>(Red dots)</a:t>
+            </a:r>
+          </a:p>
+          <a:p>
+            <a:r>
+              <a:rPr lang="en-US" altLang="zh-CN" dirty="0"/>
+              <a:t>Iris detection</a:t>
+            </a:r>
+          </a:p>
+          <a:p>
+            <a:pPr marL="457200" lvl="1" indent="0">
+              <a:buNone/>
+            </a:pPr>
+            <a:r>
+              <a:rPr lang="en-US" altLang="zh-CN" dirty="0"/>
+              <a:t>(Blue dots)</a:t>
+            </a:r>
+          </a:p>
+          <a:p>
+            <a:endParaRPr lang="en-US" altLang="zh-CN" dirty="0"/>
+          </a:p>
+        </p:txBody>
+      </p:sp>
+      <p:pic>
+        <p:nvPicPr>
+          <p:cNvPr id="4" name="图片 3">
+            <a:extLst>
+              <a:ext uri="{FF2B5EF4-FFF2-40B4-BE49-F238E27FC236}">
+                <a16:creationId xmlns:a16="http://schemas.microsoft.com/office/drawing/2014/main" id="{187D6180-35E3-405A-8594-E864B5161DC7}"/>
+              </a:ext>
+            </a:extLst>
+          </p:cNvPr>
+          <p:cNvPicPr>
+            <a:picLocks noChangeAspect="1"/>
+          </p:cNvPicPr>
+          <p:nvPr/>
+        </p:nvPicPr>
+        <p:blipFill rotWithShape="1">
+          <a:blip r:embed="rId2"/>
+          <a:srcRect l="24611" t="5087" r="16626" b="8532"/>
+          <a:stretch/>
+        </p:blipFill>
+        <p:spPr>
+          <a:xfrm>
+            <a:off x="5213040" y="1287261"/>
+            <a:ext cx="6978960" cy="5576133"/>
+          </a:xfrm>
+          <a:prstGeom prst="rect">
+            <a:avLst/>
+          </a:prstGeom>
+        </p:spPr>
+      </p:pic>
+      <p:sp>
+        <p:nvSpPr>
+          <p:cNvPr id="5" name="矩形 4">
+            <a:extLst>
+              <a:ext uri="{FF2B5EF4-FFF2-40B4-BE49-F238E27FC236}">
+                <a16:creationId xmlns:a16="http://schemas.microsoft.com/office/drawing/2014/main" id="{7004DE7F-FAB2-44D0-9DA6-F1F6D7CC0C07}"/>
+              </a:ext>
+            </a:extLst>
+          </p:cNvPr>
+          <p:cNvSpPr/>
+          <p:nvPr/>
+        </p:nvSpPr>
+        <p:spPr>
+          <a:xfrm>
+            <a:off x="8105313" y="3027285"/>
+            <a:ext cx="2041864" cy="2476870"/>
+          </a:xfrm>
+          <a:prstGeom prst="rect">
+            <a:avLst/>
+          </a:prstGeom>
+          <a:noFill/>
+          <a:ln>
+            <a:solidFill>
+              <a:schemeClr val="accent6"/>
+            </a:solidFill>
+          </a:ln>
+        </p:spPr>
+        <p:style>
+          <a:lnRef idx="2">
+            <a:schemeClr val="accent1">
+              <a:shade val="50000"/>
+            </a:schemeClr>
+          </a:lnRef>
+          <a:fillRef idx="1">
+            <a:schemeClr val="accent1"/>
+          </a:fillRef>
+          <a:effectRef idx="0">
+            <a:schemeClr val="accent1"/>
+          </a:effectRef>
+          <a:fontRef idx="minor">
+            <a:schemeClr val="lt1"/>
+          </a:fontRef>
+        </p:style>
+        <p:txBody>
+          <a:bodyPr rtlCol="0" anchor="ctr"/>
+          <a:lstStyle/>
+          <a:p>
+            <a:pPr algn="ctr"/>
+            <a:endParaRPr lang="zh-CN" altLang="en-US"/>
+          </a:p>
+        </p:txBody>
+      </p:sp>
+      <p:cxnSp>
+        <p:nvCxnSpPr>
+          <p:cNvPr id="7" name="直接箭头连接符 6">
+            <a:extLst>
+              <a:ext uri="{FF2B5EF4-FFF2-40B4-BE49-F238E27FC236}">
+                <a16:creationId xmlns:a16="http://schemas.microsoft.com/office/drawing/2014/main" id="{3525BA58-E97D-4118-B29F-C11DF865BD9B}"/>
+              </a:ext>
+            </a:extLst>
+          </p:cNvPr>
+          <p:cNvCxnSpPr/>
+          <p:nvPr/>
+        </p:nvCxnSpPr>
+        <p:spPr>
+          <a:xfrm>
+            <a:off x="3870664" y="2104008"/>
+            <a:ext cx="4234649" cy="1047180"/>
+          </a:xfrm>
+          <a:prstGeom prst="straightConnector1">
+            <a:avLst/>
+          </a:prstGeom>
+          <a:ln w="19050">
+            <a:tailEnd type="triangle"/>
+          </a:ln>
+        </p:spPr>
+        <p:style>
+          <a:lnRef idx="1">
+            <a:schemeClr val="accent1"/>
+          </a:lnRef>
+          <a:fillRef idx="0">
+            <a:schemeClr val="accent1"/>
+          </a:fillRef>
+          <a:effectRef idx="0">
+            <a:schemeClr val="accent1"/>
+          </a:effectRef>
+          <a:fontRef idx="minor">
+            <a:schemeClr val="tx1"/>
+          </a:fontRef>
+        </p:style>
+      </p:cxnSp>
     </p:spTree>
     <p:extLst>
       <p:ext uri="{BB962C8B-B14F-4D97-AF65-F5344CB8AC3E}">
-        <p14:creationId xmlns:p14="http://schemas.microsoft.com/office/powerpoint/2010/main" val="2614397928"/>
+        <p14:creationId xmlns:p14="http://schemas.microsoft.com/office/powerpoint/2010/main" val="1294026821"/>
+      </p:ext>
+    </p:extLst>
+  </p:cSld>
+  <p:clrMapOvr>
+    <a:masterClrMapping/>
+  </p:clrMapOvr>
+</p:sld>
+</file>
+
+<file path=ppt/slides/slide8.xml><?xml version="1.0" encoding="utf-8"?>
+<p:sld xmlns:a="http://schemas.openxmlformats.org/drawingml/2006/main" xmlns:r="http://schemas.openxmlformats.org/officeDocument/2006/relationships" xmlns:p="http://schemas.openxmlformats.org/presentationml/2006/main">
+  <p:cSld>
+    <p:spTree>
+      <p:nvGrpSpPr>
+        <p:cNvPr id="1" name=""/>
+        <p:cNvGrpSpPr/>
+        <p:nvPr/>
+      </p:nvGrpSpPr>
+      <p:grpSpPr>
+        <a:xfrm>
+          <a:off x="0" y="0"/>
+          <a:ext cx="0" cy="0"/>
+          <a:chOff x="0" y="0"/>
+          <a:chExt cx="0" cy="0"/>
+        </a:xfrm>
+      </p:grpSpPr>
+      <p:sp>
+        <p:nvSpPr>
+          <p:cNvPr id="2" name="标题 1">
+            <a:extLst>
+              <a:ext uri="{FF2B5EF4-FFF2-40B4-BE49-F238E27FC236}">
+                <a16:creationId xmlns:a16="http://schemas.microsoft.com/office/drawing/2014/main" id="{CB6C7B60-5B35-4B52-ABDB-32B8CBEEC731}"/>
+              </a:ext>
+            </a:extLst>
+          </p:cNvPr>
+          <p:cNvSpPr>
+            <a:spLocks noGrp="1"/>
+          </p:cNvSpPr>
+          <p:nvPr>
+            <p:ph type="title"/>
+          </p:nvPr>
+        </p:nvSpPr>
+        <p:spPr/>
+        <p:txBody>
+          <a:bodyPr/>
+          <a:lstStyle/>
+          <a:p>
+            <a:r>
+              <a:rPr lang="en-US" altLang="zh-CN" dirty="0"/>
+              <a:t>Parse to Live2D motion data</a:t>
+            </a:r>
+            <a:endParaRPr lang="zh-CN" altLang="en-US" dirty="0"/>
+          </a:p>
+        </p:txBody>
+      </p:sp>
+      <p:sp>
+        <p:nvSpPr>
+          <p:cNvPr id="3" name="内容占位符 2">
+            <a:extLst>
+              <a:ext uri="{FF2B5EF4-FFF2-40B4-BE49-F238E27FC236}">
+                <a16:creationId xmlns:a16="http://schemas.microsoft.com/office/drawing/2014/main" id="{D9E40EDE-F48C-4359-B3F1-5F4DE994BB38}"/>
+              </a:ext>
+            </a:extLst>
+          </p:cNvPr>
+          <p:cNvSpPr>
+            <a:spLocks noGrp="1"/>
+          </p:cNvSpPr>
+          <p:nvPr>
+            <p:ph idx="1"/>
+          </p:nvPr>
+        </p:nvSpPr>
+        <p:spPr>
+          <a:xfrm>
+            <a:off x="838200" y="1825625"/>
+            <a:ext cx="8731928" cy="4351338"/>
+          </a:xfrm>
+        </p:spPr>
+        <p:txBody>
+          <a:bodyPr/>
+          <a:lstStyle/>
+          <a:p>
+            <a:r>
+              <a:rPr lang="en-US" altLang="zh-CN" dirty="0"/>
+              <a:t>Implicitly translate dots into these data that Live2D reads</a:t>
+            </a:r>
+            <a:endParaRPr lang="zh-CN" altLang="en-US" dirty="0"/>
+          </a:p>
+        </p:txBody>
+      </p:sp>
+      <p:pic>
+        <p:nvPicPr>
+          <p:cNvPr id="4" name="图片 3">
+            <a:extLst>
+              <a:ext uri="{FF2B5EF4-FFF2-40B4-BE49-F238E27FC236}">
+                <a16:creationId xmlns:a16="http://schemas.microsoft.com/office/drawing/2014/main" id="{B57117F0-2BEF-4624-A73C-DA433A655C68}"/>
+              </a:ext>
+            </a:extLst>
+          </p:cNvPr>
+          <p:cNvPicPr>
+            <a:picLocks noChangeAspect="1"/>
+          </p:cNvPicPr>
+          <p:nvPr/>
+        </p:nvPicPr>
+        <p:blipFill rotWithShape="1">
+          <a:blip r:embed="rId2"/>
+          <a:srcRect t="-36" r="75550" b="1"/>
+          <a:stretch/>
+        </p:blipFill>
+        <p:spPr>
+          <a:xfrm>
+            <a:off x="9705693" y="967982"/>
+            <a:ext cx="2486307" cy="5293658"/>
+          </a:xfrm>
+          <a:prstGeom prst="rect">
+            <a:avLst/>
+          </a:prstGeom>
+        </p:spPr>
+      </p:pic>
+    </p:spTree>
+    <p:extLst>
+      <p:ext uri="{BB962C8B-B14F-4D97-AF65-F5344CB8AC3E}">
+        <p14:creationId xmlns:p14="http://schemas.microsoft.com/office/powerpoint/2010/main" val="661942020"/>
+      </p:ext>
+    </p:extLst>
+  </p:cSld>
+  <p:clrMapOvr>
+    <a:masterClrMapping/>
+  </p:clrMapOvr>
+</p:sld>
+</file>
+
+<file path=ppt/slides/slide9.xml><?xml version="1.0" encoding="utf-8"?>
+<p:sld xmlns:a="http://schemas.openxmlformats.org/drawingml/2006/main" xmlns:r="http://schemas.openxmlformats.org/officeDocument/2006/relationships" xmlns:p="http://schemas.openxmlformats.org/presentationml/2006/main">
+  <p:cSld>
+    <p:spTree>
+      <p:nvGrpSpPr>
+        <p:cNvPr id="1" name=""/>
+        <p:cNvGrpSpPr/>
+        <p:nvPr/>
+      </p:nvGrpSpPr>
+      <p:grpSpPr>
+        <a:xfrm>
+          <a:off x="0" y="0"/>
+          <a:ext cx="0" cy="0"/>
+          <a:chOff x="0" y="0"/>
+          <a:chExt cx="0" cy="0"/>
+        </a:xfrm>
+      </p:grpSpPr>
+      <p:sp>
+        <p:nvSpPr>
+          <p:cNvPr id="2" name="标题 1">
+            <a:extLst>
+              <a:ext uri="{FF2B5EF4-FFF2-40B4-BE49-F238E27FC236}">
+                <a16:creationId xmlns:a16="http://schemas.microsoft.com/office/drawing/2014/main" id="{D4E86F7F-46EE-4B97-B570-8EE32E806395}"/>
+              </a:ext>
+            </a:extLst>
+          </p:cNvPr>
+          <p:cNvSpPr>
+            <a:spLocks noGrp="1"/>
+          </p:cNvSpPr>
+          <p:nvPr>
+            <p:ph type="title"/>
+          </p:nvPr>
+        </p:nvSpPr>
+        <p:spPr/>
+        <p:txBody>
+          <a:bodyPr/>
+          <a:lstStyle/>
+          <a:p>
+            <a:r>
+              <a:rPr lang="en-US" altLang="zh-CN" dirty="0"/>
+              <a:t>Live2D</a:t>
+            </a:r>
+            <a:endParaRPr lang="zh-CN" altLang="en-US" dirty="0"/>
+          </a:p>
+        </p:txBody>
+      </p:sp>
+      <p:sp>
+        <p:nvSpPr>
+          <p:cNvPr id="3" name="内容占位符 2">
+            <a:extLst>
+              <a:ext uri="{FF2B5EF4-FFF2-40B4-BE49-F238E27FC236}">
+                <a16:creationId xmlns:a16="http://schemas.microsoft.com/office/drawing/2014/main" id="{A1C04E87-BE61-4189-977F-C8898BEBC1EC}"/>
+              </a:ext>
+            </a:extLst>
+          </p:cNvPr>
+          <p:cNvSpPr>
+            <a:spLocks noGrp="1"/>
+          </p:cNvSpPr>
+          <p:nvPr>
+            <p:ph idx="1"/>
+          </p:nvPr>
+        </p:nvSpPr>
+        <p:spPr/>
+        <p:txBody>
+          <a:bodyPr/>
+          <a:lstStyle/>
+          <a:p>
+            <a:endParaRPr lang="zh-CN" altLang="en-US" dirty="0"/>
+          </a:p>
+        </p:txBody>
+      </p:sp>
+    </p:spTree>
+    <p:extLst>
+      <p:ext uri="{BB962C8B-B14F-4D97-AF65-F5344CB8AC3E}">
+        <p14:creationId xmlns:p14="http://schemas.microsoft.com/office/powerpoint/2010/main" val="3370222730"/>
       </p:ext>
     </p:extLst>
   </p:cSld>

--- a/Project Description.pptx
+++ b/Project Description.pptx
@@ -8,10 +8,16 @@
     <p:sldId id="256" r:id="rId2"/>
     <p:sldId id="257" r:id="rId3"/>
     <p:sldId id="258" r:id="rId4"/>
-    <p:sldId id="259" r:id="rId5"/>
-    <p:sldId id="260" r:id="rId6"/>
-    <p:sldId id="261" r:id="rId7"/>
-    <p:sldId id="262" r:id="rId8"/>
+    <p:sldId id="263" r:id="rId5"/>
+    <p:sldId id="264" r:id="rId6"/>
+    <p:sldId id="265" r:id="rId7"/>
+    <p:sldId id="266" r:id="rId8"/>
+    <p:sldId id="267" r:id="rId9"/>
+    <p:sldId id="268" r:id="rId10"/>
+    <p:sldId id="259" r:id="rId11"/>
+    <p:sldId id="260" r:id="rId12"/>
+    <p:sldId id="261" r:id="rId13"/>
+    <p:sldId id="262" r:id="rId14"/>
   </p:sldIdLst>
   <p:sldSz cx="12192000" cy="6858000"/>
   <p:notesSz cx="6858000" cy="9144000"/>
@@ -110,6 +116,11 @@
       </a:defRPr>
     </a:lvl9pPr>
   </p:defaultTextStyle>
+  <p:extLst>
+    <p:ext uri="{EFAFB233-063F-42B5-8137-9DF3F51BA10A}">
+      <p15:sldGuideLst xmlns:p15="http://schemas.microsoft.com/office/powerpoint/2012/main"/>
+    </p:ext>
+  </p:extLst>
 </p:presentation>
 </file>
 
@@ -260,7 +271,7 @@
           <a:p>
             <a:fld id="{AECD0FF9-A012-4EFC-B810-10AFD38546D6}" type="datetimeFigureOut">
               <a:rPr lang="zh-CN" altLang="en-US" smtClean="0"/>
-              <a:t>2019/12/15</a:t>
+              <a:t>2019/12/16</a:t>
             </a:fld>
             <a:endParaRPr lang="zh-CN" altLang="en-US"/>
           </a:p>
@@ -458,7 +469,7 @@
           <a:p>
             <a:fld id="{AECD0FF9-A012-4EFC-B810-10AFD38546D6}" type="datetimeFigureOut">
               <a:rPr lang="zh-CN" altLang="en-US" smtClean="0"/>
-              <a:t>2019/12/15</a:t>
+              <a:t>2019/12/16</a:t>
             </a:fld>
             <a:endParaRPr lang="zh-CN" altLang="en-US"/>
           </a:p>
@@ -666,7 +677,7 @@
           <a:p>
             <a:fld id="{AECD0FF9-A012-4EFC-B810-10AFD38546D6}" type="datetimeFigureOut">
               <a:rPr lang="zh-CN" altLang="en-US" smtClean="0"/>
-              <a:t>2019/12/15</a:t>
+              <a:t>2019/12/16</a:t>
             </a:fld>
             <a:endParaRPr lang="zh-CN" altLang="en-US"/>
           </a:p>
@@ -864,7 +875,7 @@
           <a:p>
             <a:fld id="{AECD0FF9-A012-4EFC-B810-10AFD38546D6}" type="datetimeFigureOut">
               <a:rPr lang="zh-CN" altLang="en-US" smtClean="0"/>
-              <a:t>2019/12/15</a:t>
+              <a:t>2019/12/16</a:t>
             </a:fld>
             <a:endParaRPr lang="zh-CN" altLang="en-US"/>
           </a:p>
@@ -1139,7 +1150,7 @@
           <a:p>
             <a:fld id="{AECD0FF9-A012-4EFC-B810-10AFD38546D6}" type="datetimeFigureOut">
               <a:rPr lang="zh-CN" altLang="en-US" smtClean="0"/>
-              <a:t>2019/12/15</a:t>
+              <a:t>2019/12/16</a:t>
             </a:fld>
             <a:endParaRPr lang="zh-CN" altLang="en-US"/>
           </a:p>
@@ -1404,7 +1415,7 @@
           <a:p>
             <a:fld id="{AECD0FF9-A012-4EFC-B810-10AFD38546D6}" type="datetimeFigureOut">
               <a:rPr lang="zh-CN" altLang="en-US" smtClean="0"/>
-              <a:t>2019/12/15</a:t>
+              <a:t>2019/12/16</a:t>
             </a:fld>
             <a:endParaRPr lang="zh-CN" altLang="en-US"/>
           </a:p>
@@ -1816,7 +1827,7 @@
           <a:p>
             <a:fld id="{AECD0FF9-A012-4EFC-B810-10AFD38546D6}" type="datetimeFigureOut">
               <a:rPr lang="zh-CN" altLang="en-US" smtClean="0"/>
-              <a:t>2019/12/15</a:t>
+              <a:t>2019/12/16</a:t>
             </a:fld>
             <a:endParaRPr lang="zh-CN" altLang="en-US"/>
           </a:p>
@@ -1957,7 +1968,7 @@
           <a:p>
             <a:fld id="{AECD0FF9-A012-4EFC-B810-10AFD38546D6}" type="datetimeFigureOut">
               <a:rPr lang="zh-CN" altLang="en-US" smtClean="0"/>
-              <a:t>2019/12/15</a:t>
+              <a:t>2019/12/16</a:t>
             </a:fld>
             <a:endParaRPr lang="zh-CN" altLang="en-US"/>
           </a:p>
@@ -2070,7 +2081,7 @@
           <a:p>
             <a:fld id="{AECD0FF9-A012-4EFC-B810-10AFD38546D6}" type="datetimeFigureOut">
               <a:rPr lang="zh-CN" altLang="en-US" smtClean="0"/>
-              <a:t>2019/12/15</a:t>
+              <a:t>2019/12/16</a:t>
             </a:fld>
             <a:endParaRPr lang="zh-CN" altLang="en-US"/>
           </a:p>
@@ -2381,7 +2392,7 @@
           <a:p>
             <a:fld id="{AECD0FF9-A012-4EFC-B810-10AFD38546D6}" type="datetimeFigureOut">
               <a:rPr lang="zh-CN" altLang="en-US" smtClean="0"/>
-              <a:t>2019/12/15</a:t>
+              <a:t>2019/12/16</a:t>
             </a:fld>
             <a:endParaRPr lang="zh-CN" altLang="en-US"/>
           </a:p>
@@ -2669,7 +2680,7 @@
           <a:p>
             <a:fld id="{AECD0FF9-A012-4EFC-B810-10AFD38546D6}" type="datetimeFigureOut">
               <a:rPr lang="zh-CN" altLang="en-US" smtClean="0"/>
-              <a:t>2019/12/15</a:t>
+              <a:t>2019/12/16</a:t>
             </a:fld>
             <a:endParaRPr lang="zh-CN" altLang="en-US"/>
           </a:p>
@@ -2910,7 +2921,7 @@
           <a:p>
             <a:fld id="{AECD0FF9-A012-4EFC-B810-10AFD38546D6}" type="datetimeFigureOut">
               <a:rPr lang="zh-CN" altLang="en-US" smtClean="0"/>
-              <a:t>2019/12/15</a:t>
+              <a:t>2019/12/16</a:t>
             </a:fld>
             <a:endParaRPr lang="zh-CN" altLang="en-US"/>
           </a:p>
@@ -3412,6 +3423,400 @@
 </p:sld>
 </file>
 
+<file path=ppt/slides/slide10.xml><?xml version="1.0" encoding="utf-8"?>
+<p:sld xmlns:a="http://schemas.openxmlformats.org/drawingml/2006/main" xmlns:r="http://schemas.openxmlformats.org/officeDocument/2006/relationships" xmlns:p="http://schemas.openxmlformats.org/presentationml/2006/main">
+  <p:cSld>
+    <p:spTree>
+      <p:nvGrpSpPr>
+        <p:cNvPr id="1" name=""/>
+        <p:cNvGrpSpPr/>
+        <p:nvPr/>
+      </p:nvGrpSpPr>
+      <p:grpSpPr>
+        <a:xfrm>
+          <a:off x="0" y="0"/>
+          <a:ext cx="0" cy="0"/>
+          <a:chOff x="0" y="0"/>
+          <a:chExt cx="0" cy="0"/>
+        </a:xfrm>
+      </p:grpSpPr>
+      <p:sp>
+        <p:nvSpPr>
+          <p:cNvPr id="2" name="标题 1">
+            <a:extLst>
+              <a:ext uri="{FF2B5EF4-FFF2-40B4-BE49-F238E27FC236}">
+                <a16:creationId xmlns:a16="http://schemas.microsoft.com/office/drawing/2014/main" id="{C486D92D-96CF-42EF-BA56-A245F9873DB0}"/>
+              </a:ext>
+            </a:extLst>
+          </p:cNvPr>
+          <p:cNvSpPr>
+            <a:spLocks noGrp="1"/>
+          </p:cNvSpPr>
+          <p:nvPr>
+            <p:ph type="title"/>
+          </p:nvPr>
+        </p:nvSpPr>
+        <p:spPr/>
+        <p:txBody>
+          <a:bodyPr/>
+          <a:lstStyle/>
+          <a:p>
+            <a:r>
+              <a:rPr lang="en-US" altLang="zh-CN" dirty="0"/>
+              <a:t> OOP design</a:t>
+            </a:r>
+            <a:endParaRPr lang="zh-CN" altLang="en-US" dirty="0"/>
+          </a:p>
+        </p:txBody>
+      </p:sp>
+      <p:sp>
+        <p:nvSpPr>
+          <p:cNvPr id="3" name="内容占位符 2">
+            <a:extLst>
+              <a:ext uri="{FF2B5EF4-FFF2-40B4-BE49-F238E27FC236}">
+                <a16:creationId xmlns:a16="http://schemas.microsoft.com/office/drawing/2014/main" id="{AA5F5329-EB03-4971-8725-B860BF337C0A}"/>
+              </a:ext>
+            </a:extLst>
+          </p:cNvPr>
+          <p:cNvSpPr>
+            <a:spLocks noGrp="1"/>
+          </p:cNvSpPr>
+          <p:nvPr>
+            <p:ph idx="1"/>
+          </p:nvPr>
+        </p:nvSpPr>
+        <p:spPr/>
+        <p:txBody>
+          <a:bodyPr/>
+          <a:lstStyle/>
+          <a:p>
+            <a:r>
+              <a:rPr lang="en-US" altLang="zh-CN" dirty="0"/>
+              <a:t>Widely used Class and Object (Almost everything)</a:t>
+            </a:r>
+          </a:p>
+          <a:p>
+            <a:r>
+              <a:rPr lang="en-US" altLang="zh-CN" dirty="0"/>
+              <a:t>Single instance Classes for classes that should be unique (e.g. Setting, Network, Detection)</a:t>
+            </a:r>
+          </a:p>
+          <a:p>
+            <a:endParaRPr lang="zh-CN" altLang="en-US" dirty="0"/>
+          </a:p>
+        </p:txBody>
+      </p:sp>
+    </p:spTree>
+    <p:extLst>
+      <p:ext uri="{BB962C8B-B14F-4D97-AF65-F5344CB8AC3E}">
+        <p14:creationId xmlns:p14="http://schemas.microsoft.com/office/powerpoint/2010/main" val="1711113874"/>
+      </p:ext>
+    </p:extLst>
+  </p:cSld>
+  <p:clrMapOvr>
+    <a:masterClrMapping/>
+  </p:clrMapOvr>
+</p:sld>
+</file>
+
+<file path=ppt/slides/slide11.xml><?xml version="1.0" encoding="utf-8"?>
+<p:sld xmlns:a="http://schemas.openxmlformats.org/drawingml/2006/main" xmlns:r="http://schemas.openxmlformats.org/officeDocument/2006/relationships" xmlns:p="http://schemas.openxmlformats.org/presentationml/2006/main">
+  <p:cSld>
+    <p:spTree>
+      <p:nvGrpSpPr>
+        <p:cNvPr id="1" name=""/>
+        <p:cNvGrpSpPr/>
+        <p:nvPr/>
+      </p:nvGrpSpPr>
+      <p:grpSpPr>
+        <a:xfrm>
+          <a:off x="0" y="0"/>
+          <a:ext cx="0" cy="0"/>
+          <a:chOff x="0" y="0"/>
+          <a:chExt cx="0" cy="0"/>
+        </a:xfrm>
+      </p:grpSpPr>
+      <p:sp>
+        <p:nvSpPr>
+          <p:cNvPr id="2" name="标题 1">
+            <a:extLst>
+              <a:ext uri="{FF2B5EF4-FFF2-40B4-BE49-F238E27FC236}">
+                <a16:creationId xmlns:a16="http://schemas.microsoft.com/office/drawing/2014/main" id="{33E366C9-0DFF-464B-BBB1-1BC30F7525F0}"/>
+              </a:ext>
+            </a:extLst>
+          </p:cNvPr>
+          <p:cNvSpPr>
+            <a:spLocks noGrp="1"/>
+          </p:cNvSpPr>
+          <p:nvPr>
+            <p:ph type="title"/>
+          </p:nvPr>
+        </p:nvSpPr>
+        <p:spPr/>
+        <p:txBody>
+          <a:bodyPr/>
+          <a:lstStyle/>
+          <a:p>
+            <a:r>
+              <a:rPr lang="en-US" altLang="zh-CN" dirty="0"/>
+              <a:t>Data structures used </a:t>
+            </a:r>
+            <a:endParaRPr lang="zh-CN" altLang="en-US" dirty="0"/>
+          </a:p>
+        </p:txBody>
+      </p:sp>
+      <p:sp>
+        <p:nvSpPr>
+          <p:cNvPr id="3" name="内容占位符 2">
+            <a:extLst>
+              <a:ext uri="{FF2B5EF4-FFF2-40B4-BE49-F238E27FC236}">
+                <a16:creationId xmlns:a16="http://schemas.microsoft.com/office/drawing/2014/main" id="{838BA88A-5840-495B-AB24-AF1AF36B4214}"/>
+              </a:ext>
+            </a:extLst>
+          </p:cNvPr>
+          <p:cNvSpPr>
+            <a:spLocks noGrp="1"/>
+          </p:cNvSpPr>
+          <p:nvPr>
+            <p:ph idx="1"/>
+          </p:nvPr>
+        </p:nvSpPr>
+        <p:spPr/>
+        <p:txBody>
+          <a:bodyPr/>
+          <a:lstStyle/>
+          <a:p>
+            <a:r>
+              <a:rPr lang="en-US" altLang="zh-CN" dirty="0"/>
+              <a:t>We didn't implement any data structures from scratch. We make use of the excellent libraries provided by the STL and Qt, which contain complex data structures. And that is the point of abstraction, the very key to the art of programming.</a:t>
+            </a:r>
+            <a:endParaRPr lang="zh-CN" altLang="en-US" dirty="0"/>
+          </a:p>
+        </p:txBody>
+      </p:sp>
+    </p:spTree>
+    <p:extLst>
+      <p:ext uri="{BB962C8B-B14F-4D97-AF65-F5344CB8AC3E}">
+        <p14:creationId xmlns:p14="http://schemas.microsoft.com/office/powerpoint/2010/main" val="3827581956"/>
+      </p:ext>
+    </p:extLst>
+  </p:cSld>
+  <p:clrMapOvr>
+    <a:masterClrMapping/>
+  </p:clrMapOvr>
+</p:sld>
+</file>
+
+<file path=ppt/slides/slide12.xml><?xml version="1.0" encoding="utf-8"?>
+<p:sld xmlns:a="http://schemas.openxmlformats.org/drawingml/2006/main" xmlns:r="http://schemas.openxmlformats.org/officeDocument/2006/relationships" xmlns:p="http://schemas.openxmlformats.org/presentationml/2006/main">
+  <p:cSld>
+    <p:spTree>
+      <p:nvGrpSpPr>
+        <p:cNvPr id="1" name=""/>
+        <p:cNvGrpSpPr/>
+        <p:nvPr/>
+      </p:nvGrpSpPr>
+      <p:grpSpPr>
+        <a:xfrm>
+          <a:off x="0" y="0"/>
+          <a:ext cx="0" cy="0"/>
+          <a:chOff x="0" y="0"/>
+          <a:chExt cx="0" cy="0"/>
+        </a:xfrm>
+      </p:grpSpPr>
+      <p:sp>
+        <p:nvSpPr>
+          <p:cNvPr id="2" name="标题 1">
+            <a:extLst>
+              <a:ext uri="{FF2B5EF4-FFF2-40B4-BE49-F238E27FC236}">
+                <a16:creationId xmlns:a16="http://schemas.microsoft.com/office/drawing/2014/main" id="{BF824182-CD9C-4AD9-9058-78308177C2A3}"/>
+              </a:ext>
+            </a:extLst>
+          </p:cNvPr>
+          <p:cNvSpPr>
+            <a:spLocks noGrp="1"/>
+          </p:cNvSpPr>
+          <p:nvPr>
+            <p:ph type="title"/>
+          </p:nvPr>
+        </p:nvSpPr>
+        <p:spPr/>
+        <p:txBody>
+          <a:bodyPr/>
+          <a:lstStyle/>
+          <a:p>
+            <a:r>
+              <a:rPr lang="en-US" altLang="zh-CN" dirty="0"/>
+              <a:t>External libraries used</a:t>
+            </a:r>
+            <a:endParaRPr lang="zh-CN" altLang="en-US" dirty="0"/>
+          </a:p>
+        </p:txBody>
+      </p:sp>
+      <p:sp>
+        <p:nvSpPr>
+          <p:cNvPr id="3" name="内容占位符 2">
+            <a:extLst>
+              <a:ext uri="{FF2B5EF4-FFF2-40B4-BE49-F238E27FC236}">
+                <a16:creationId xmlns:a16="http://schemas.microsoft.com/office/drawing/2014/main" id="{B117AA3C-B15D-4CA8-9A0D-C1AAC6489CB6}"/>
+              </a:ext>
+            </a:extLst>
+          </p:cNvPr>
+          <p:cNvSpPr>
+            <a:spLocks noGrp="1"/>
+          </p:cNvSpPr>
+          <p:nvPr>
+            <p:ph idx="1"/>
+          </p:nvPr>
+        </p:nvSpPr>
+        <p:spPr/>
+        <p:txBody>
+          <a:bodyPr/>
+          <a:lstStyle/>
+          <a:p>
+            <a:r>
+              <a:rPr lang="en-US" altLang="zh-CN" dirty="0"/>
+              <a:t>QT (GUI, Socket, UUID generate)</a:t>
+            </a:r>
+          </a:p>
+          <a:p>
+            <a:r>
+              <a:rPr lang="en-US" altLang="zh-CN" dirty="0"/>
+              <a:t>OpenCV (Camera read, Iris detection)</a:t>
+            </a:r>
+          </a:p>
+          <a:p>
+            <a:r>
+              <a:rPr lang="en-US" altLang="zh-CN" dirty="0"/>
+              <a:t>Dlib (Facial recognition, Facial Landmark detection)</a:t>
+            </a:r>
+          </a:p>
+          <a:p>
+            <a:r>
+              <a:rPr lang="en-US" altLang="zh-CN" dirty="0"/>
+              <a:t>OpenGL (Live2D rendering)</a:t>
+            </a:r>
+          </a:p>
+          <a:p>
+            <a:r>
+              <a:rPr lang="en-US" altLang="zh-CN" dirty="0"/>
+              <a:t>Cubism (Live2D close source library ) </a:t>
+            </a:r>
+          </a:p>
+          <a:p>
+            <a:r>
+              <a:rPr lang="en-US" altLang="zh-CN" dirty="0"/>
+              <a:t>Json with modern C++ (Json data structure) </a:t>
+            </a:r>
+            <a:endParaRPr lang="zh-CN" altLang="en-US" dirty="0"/>
+          </a:p>
+        </p:txBody>
+      </p:sp>
+    </p:spTree>
+    <p:extLst>
+      <p:ext uri="{BB962C8B-B14F-4D97-AF65-F5344CB8AC3E}">
+        <p14:creationId xmlns:p14="http://schemas.microsoft.com/office/powerpoint/2010/main" val="248577771"/>
+      </p:ext>
+    </p:extLst>
+  </p:cSld>
+  <p:clrMapOvr>
+    <a:masterClrMapping/>
+  </p:clrMapOvr>
+</p:sld>
+</file>
+
+<file path=ppt/slides/slide13.xml><?xml version="1.0" encoding="utf-8"?>
+<p:sld xmlns:a="http://schemas.openxmlformats.org/drawingml/2006/main" xmlns:r="http://schemas.openxmlformats.org/officeDocument/2006/relationships" xmlns:p="http://schemas.openxmlformats.org/presentationml/2006/main">
+  <p:cSld>
+    <p:spTree>
+      <p:nvGrpSpPr>
+        <p:cNvPr id="1" name=""/>
+        <p:cNvGrpSpPr/>
+        <p:nvPr/>
+      </p:nvGrpSpPr>
+      <p:grpSpPr>
+        <a:xfrm>
+          <a:off x="0" y="0"/>
+          <a:ext cx="0" cy="0"/>
+          <a:chOff x="0" y="0"/>
+          <a:chExt cx="0" cy="0"/>
+        </a:xfrm>
+      </p:grpSpPr>
+      <p:sp>
+        <p:nvSpPr>
+          <p:cNvPr id="2" name="标题 1">
+            <a:extLst>
+              <a:ext uri="{FF2B5EF4-FFF2-40B4-BE49-F238E27FC236}">
+                <a16:creationId xmlns:a16="http://schemas.microsoft.com/office/drawing/2014/main" id="{66130AEF-E5F4-4D9C-97D0-36B4832DC207}"/>
+              </a:ext>
+            </a:extLst>
+          </p:cNvPr>
+          <p:cNvSpPr>
+            <a:spLocks noGrp="1"/>
+          </p:cNvSpPr>
+          <p:nvPr>
+            <p:ph type="title"/>
+          </p:nvPr>
+        </p:nvSpPr>
+        <p:spPr/>
+        <p:txBody>
+          <a:bodyPr/>
+          <a:lstStyle/>
+          <a:p>
+            <a:r>
+              <a:rPr lang="en-US" altLang="zh-CN" dirty="0"/>
+              <a:t>Conclusion</a:t>
+            </a:r>
+            <a:endParaRPr lang="zh-CN" altLang="en-US" dirty="0"/>
+          </a:p>
+        </p:txBody>
+      </p:sp>
+      <p:sp>
+        <p:nvSpPr>
+          <p:cNvPr id="3" name="内容占位符 2">
+            <a:extLst>
+              <a:ext uri="{FF2B5EF4-FFF2-40B4-BE49-F238E27FC236}">
+                <a16:creationId xmlns:a16="http://schemas.microsoft.com/office/drawing/2014/main" id="{6CF78855-8C3F-4080-ACB2-3C3BB868E9BF}"/>
+              </a:ext>
+            </a:extLst>
+          </p:cNvPr>
+          <p:cNvSpPr>
+            <a:spLocks noGrp="1"/>
+          </p:cNvSpPr>
+          <p:nvPr>
+            <p:ph idx="1"/>
+          </p:nvPr>
+        </p:nvSpPr>
+        <p:spPr/>
+        <p:txBody>
+          <a:bodyPr/>
+          <a:lstStyle/>
+          <a:p>
+            <a:r>
+              <a:rPr lang="en-US" altLang="zh-CN" dirty="0"/>
+              <a:t>In this project, we explore wide range to technic. During development, we tried different approach to the target and select the best to apply. Though didn’t produce a perfect product, we were able to setup good basic and structure for </a:t>
+            </a:r>
+            <a:r>
+              <a:rPr lang="en-US" altLang="zh-CN"/>
+              <a:t>future updates.</a:t>
+            </a:r>
+            <a:endParaRPr lang="zh-CN" altLang="en-US" dirty="0"/>
+          </a:p>
+        </p:txBody>
+      </p:sp>
+    </p:spTree>
+    <p:extLst>
+      <p:ext uri="{BB962C8B-B14F-4D97-AF65-F5344CB8AC3E}">
+        <p14:creationId xmlns:p14="http://schemas.microsoft.com/office/powerpoint/2010/main" val="2614397928"/>
+      </p:ext>
+    </p:extLst>
+  </p:cSld>
+  <p:clrMapOvr>
+    <a:masterClrMapping/>
+  </p:clrMapOvr>
+</p:sld>
+</file>
+
 <file path=ppt/slides/slide2.xml><?xml version="1.0" encoding="utf-8"?>
 <p:sld xmlns:a="http://schemas.openxmlformats.org/drawingml/2006/main" xmlns:r="http://schemas.openxmlformats.org/officeDocument/2006/relationships" xmlns:p="http://schemas.openxmlformats.org/presentationml/2006/main">
   <p:cSld>
@@ -3591,7 +3996,37 @@
           <a:bodyPr/>
           <a:lstStyle/>
           <a:p>
-            <a:endParaRPr lang="zh-CN" altLang="en-US"/>
+            <a:r>
+              <a:rPr lang="en-US" altLang="zh-CN" dirty="0"/>
+              <a:t>GUI</a:t>
+            </a:r>
+          </a:p>
+          <a:p>
+            <a:pPr lvl="1"/>
+            <a:r>
+              <a:rPr lang="en-US" altLang="zh-CN" dirty="0"/>
+              <a:t>Main window</a:t>
+            </a:r>
+          </a:p>
+          <a:p>
+            <a:pPr lvl="1"/>
+            <a:r>
+              <a:rPr lang="en-US" altLang="zh-CN" dirty="0"/>
+              <a:t>Setting</a:t>
+            </a:r>
+          </a:p>
+          <a:p>
+            <a:r>
+              <a:rPr lang="en-US" altLang="zh-CN" dirty="0"/>
+              <a:t>Computer vision</a:t>
+            </a:r>
+          </a:p>
+          <a:p>
+            <a:r>
+              <a:rPr lang="en-US" altLang="zh-CN" dirty="0"/>
+              <a:t>Live2D display</a:t>
+            </a:r>
+            <a:endParaRPr lang="zh-CN" altLang="en-US" dirty="0"/>
           </a:p>
         </p:txBody>
       </p:sp>
@@ -3630,7 +4065,7 @@
           <p:cNvPr id="2" name="标题 1">
             <a:extLst>
               <a:ext uri="{FF2B5EF4-FFF2-40B4-BE49-F238E27FC236}">
-                <a16:creationId xmlns:a16="http://schemas.microsoft.com/office/drawing/2014/main" id="{C486D92D-96CF-42EF-BA56-A245F9873DB0}"/>
+                <a16:creationId xmlns:a16="http://schemas.microsoft.com/office/drawing/2014/main" id="{59239BE8-149E-4E75-AB17-E586D4E39105}"/>
               </a:ext>
             </a:extLst>
           </p:cNvPr>
@@ -3648,7 +4083,7 @@
           <a:p>
             <a:r>
               <a:rPr lang="en-US" altLang="zh-CN" dirty="0"/>
-              <a:t> OOP design</a:t>
+              <a:t>Main window</a:t>
             </a:r>
             <a:endParaRPr lang="zh-CN" altLang="en-US" dirty="0"/>
           </a:p>
@@ -3659,7 +4094,7 @@
           <p:cNvPr id="3" name="内容占位符 2">
             <a:extLst>
               <a:ext uri="{FF2B5EF4-FFF2-40B4-BE49-F238E27FC236}">
-                <a16:creationId xmlns:a16="http://schemas.microsoft.com/office/drawing/2014/main" id="{AA5F5329-EB03-4971-8725-B860BF337C0A}"/>
+                <a16:creationId xmlns:a16="http://schemas.microsoft.com/office/drawing/2014/main" id="{6C1A62F4-2E21-48C3-B831-4C147E8E23F5}"/>
               </a:ext>
             </a:extLst>
           </p:cNvPr>
@@ -3675,14 +4110,330 @@
           <a:bodyPr/>
           <a:lstStyle/>
           <a:p>
+            <a:r>
+              <a:rPr lang="en-US" altLang="zh-CN" dirty="0"/>
+              <a:t>Profile and Name</a:t>
+            </a:r>
+          </a:p>
+          <a:p>
+            <a:r>
+              <a:rPr lang="en-US" altLang="zh-CN" dirty="0"/>
+              <a:t>Setting</a:t>
+            </a:r>
+          </a:p>
+          <a:p>
+            <a:r>
+              <a:rPr lang="en-US" altLang="zh-CN" dirty="0"/>
+              <a:t>Call area</a:t>
+            </a:r>
+          </a:p>
+          <a:p>
+            <a:r>
+              <a:rPr lang="en-US" altLang="zh-CN" dirty="0"/>
+              <a:t>Selfie </a:t>
+            </a:r>
+            <a:endParaRPr lang="zh-CN" altLang="en-US" dirty="0"/>
+          </a:p>
+        </p:txBody>
+      </p:sp>
+      <p:pic>
+        <p:nvPicPr>
+          <p:cNvPr id="4" name="图片 3">
+            <a:extLst>
+              <a:ext uri="{FF2B5EF4-FFF2-40B4-BE49-F238E27FC236}">
+                <a16:creationId xmlns:a16="http://schemas.microsoft.com/office/drawing/2014/main" id="{37B067F4-F5B2-4319-B9CE-051FB4D68502}"/>
+              </a:ext>
+            </a:extLst>
+          </p:cNvPr>
+          <p:cNvPicPr>
+            <a:picLocks noChangeAspect="1"/>
+          </p:cNvPicPr>
+          <p:nvPr/>
+        </p:nvPicPr>
+        <p:blipFill>
+          <a:blip r:embed="rId2"/>
+          <a:stretch>
+            <a:fillRect/>
+          </a:stretch>
+        </p:blipFill>
+        <p:spPr>
+          <a:xfrm>
+            <a:off x="8629245" y="0"/>
+            <a:ext cx="3562755" cy="6858000"/>
+          </a:xfrm>
+          <a:prstGeom prst="rect">
+            <a:avLst/>
+          </a:prstGeom>
+        </p:spPr>
+      </p:pic>
+      <p:sp>
+        <p:nvSpPr>
+          <p:cNvPr id="5" name="矩形 4">
+            <a:extLst>
+              <a:ext uri="{FF2B5EF4-FFF2-40B4-BE49-F238E27FC236}">
+                <a16:creationId xmlns:a16="http://schemas.microsoft.com/office/drawing/2014/main" id="{A607AEAC-BBA5-41DE-AF87-98A9BFA3F27C}"/>
+              </a:ext>
+            </a:extLst>
+          </p:cNvPr>
+          <p:cNvSpPr/>
+          <p:nvPr/>
+        </p:nvSpPr>
+        <p:spPr>
+          <a:xfrm>
+            <a:off x="8629245" y="710214"/>
+            <a:ext cx="1713240" cy="674703"/>
+          </a:xfrm>
+          <a:prstGeom prst="rect">
+            <a:avLst/>
+          </a:prstGeom>
+          <a:noFill/>
+          <a:ln>
+            <a:solidFill>
+              <a:srgbClr val="FF0000"/>
+            </a:solidFill>
+          </a:ln>
+        </p:spPr>
+        <p:style>
+          <a:lnRef idx="2">
+            <a:schemeClr val="accent1">
+              <a:shade val="50000"/>
+            </a:schemeClr>
+          </a:lnRef>
+          <a:fillRef idx="1">
+            <a:schemeClr val="accent1"/>
+          </a:fillRef>
+          <a:effectRef idx="0">
+            <a:schemeClr val="accent1"/>
+          </a:effectRef>
+          <a:fontRef idx="minor">
+            <a:schemeClr val="lt1"/>
+          </a:fontRef>
+        </p:style>
+        <p:txBody>
+          <a:bodyPr rtlCol="0" anchor="ctr"/>
+          <a:lstStyle/>
+          <a:p>
+            <a:pPr algn="ctr"/>
             <a:endParaRPr lang="zh-CN" altLang="en-US"/>
           </a:p>
         </p:txBody>
       </p:sp>
+      <p:cxnSp>
+        <p:nvCxnSpPr>
+          <p:cNvPr id="7" name="直接箭头连接符 6">
+            <a:extLst>
+              <a:ext uri="{FF2B5EF4-FFF2-40B4-BE49-F238E27FC236}">
+                <a16:creationId xmlns:a16="http://schemas.microsoft.com/office/drawing/2014/main" id="{20A86450-48DC-402D-97F2-3CFC77EE179F}"/>
+              </a:ext>
+            </a:extLst>
+          </p:cNvPr>
+          <p:cNvCxnSpPr>
+            <a:cxnSpLocks/>
+          </p:cNvCxnSpPr>
+          <p:nvPr/>
+        </p:nvCxnSpPr>
+        <p:spPr>
+          <a:xfrm flipV="1">
+            <a:off x="3861786" y="1100832"/>
+            <a:ext cx="4669655" cy="1038686"/>
+          </a:xfrm>
+          <a:prstGeom prst="straightConnector1">
+            <a:avLst/>
+          </a:prstGeom>
+          <a:ln>
+            <a:tailEnd type="triangle"/>
+          </a:ln>
+        </p:spPr>
+        <p:style>
+          <a:lnRef idx="1">
+            <a:schemeClr val="accent1"/>
+          </a:lnRef>
+          <a:fillRef idx="0">
+            <a:schemeClr val="accent1"/>
+          </a:fillRef>
+          <a:effectRef idx="0">
+            <a:schemeClr val="accent1"/>
+          </a:effectRef>
+          <a:fontRef idx="minor">
+            <a:schemeClr val="tx1"/>
+          </a:fontRef>
+        </p:style>
+      </p:cxnSp>
+      <p:cxnSp>
+        <p:nvCxnSpPr>
+          <p:cNvPr id="10" name="直接箭头连接符 9">
+            <a:extLst>
+              <a:ext uri="{FF2B5EF4-FFF2-40B4-BE49-F238E27FC236}">
+                <a16:creationId xmlns:a16="http://schemas.microsoft.com/office/drawing/2014/main" id="{B20503BA-8986-4FD1-9E5F-AC58C2D8B59E}"/>
+              </a:ext>
+            </a:extLst>
+          </p:cNvPr>
+          <p:cNvCxnSpPr>
+            <a:cxnSpLocks/>
+          </p:cNvCxnSpPr>
+          <p:nvPr/>
+        </p:nvCxnSpPr>
+        <p:spPr>
+          <a:xfrm flipV="1">
+            <a:off x="2325950" y="532661"/>
+            <a:ext cx="6391922" cy="2050741"/>
+          </a:xfrm>
+          <a:prstGeom prst="straightConnector1">
+            <a:avLst/>
+          </a:prstGeom>
+          <a:ln>
+            <a:tailEnd type="triangle"/>
+          </a:ln>
+        </p:spPr>
+        <p:style>
+          <a:lnRef idx="1">
+            <a:schemeClr val="accent1"/>
+          </a:lnRef>
+          <a:fillRef idx="0">
+            <a:schemeClr val="accent1"/>
+          </a:fillRef>
+          <a:effectRef idx="0">
+            <a:schemeClr val="accent1"/>
+          </a:effectRef>
+          <a:fontRef idx="minor">
+            <a:schemeClr val="tx1"/>
+          </a:fontRef>
+        </p:style>
+      </p:cxnSp>
+      <p:sp>
+        <p:nvSpPr>
+          <p:cNvPr id="13" name="矩形 12">
+            <a:extLst>
+              <a:ext uri="{FF2B5EF4-FFF2-40B4-BE49-F238E27FC236}">
+                <a16:creationId xmlns:a16="http://schemas.microsoft.com/office/drawing/2014/main" id="{21D09E3B-AC82-4413-B232-51CD3AC0EDD3}"/>
+              </a:ext>
+            </a:extLst>
+          </p:cNvPr>
+          <p:cNvSpPr/>
+          <p:nvPr/>
+        </p:nvSpPr>
+        <p:spPr>
+          <a:xfrm>
+            <a:off x="8939814" y="3429000"/>
+            <a:ext cx="2982897" cy="2208320"/>
+          </a:xfrm>
+          <a:prstGeom prst="rect">
+            <a:avLst/>
+          </a:prstGeom>
+          <a:noFill/>
+          <a:ln>
+            <a:solidFill>
+              <a:srgbClr val="00B050"/>
+            </a:solidFill>
+          </a:ln>
+        </p:spPr>
+        <p:style>
+          <a:lnRef idx="2">
+            <a:schemeClr val="accent1">
+              <a:shade val="50000"/>
+            </a:schemeClr>
+          </a:lnRef>
+          <a:fillRef idx="1">
+            <a:schemeClr val="accent1"/>
+          </a:fillRef>
+          <a:effectRef idx="0">
+            <a:schemeClr val="accent1"/>
+          </a:effectRef>
+          <a:fontRef idx="minor">
+            <a:schemeClr val="lt1"/>
+          </a:fontRef>
+        </p:style>
+        <p:txBody>
+          <a:bodyPr rtlCol="0" anchor="ctr"/>
+          <a:lstStyle/>
+          <a:p>
+            <a:pPr algn="ctr"/>
+            <a:endParaRPr lang="zh-CN" altLang="en-US"/>
+          </a:p>
+        </p:txBody>
+      </p:sp>
+      <p:cxnSp>
+        <p:nvCxnSpPr>
+          <p:cNvPr id="15" name="直接箭头连接符 14">
+            <a:extLst>
+              <a:ext uri="{FF2B5EF4-FFF2-40B4-BE49-F238E27FC236}">
+                <a16:creationId xmlns:a16="http://schemas.microsoft.com/office/drawing/2014/main" id="{42AB186B-8BAF-4296-8E70-FEE83B60F502}"/>
+              </a:ext>
+            </a:extLst>
+          </p:cNvPr>
+          <p:cNvCxnSpPr/>
+          <p:nvPr/>
+        </p:nvCxnSpPr>
+        <p:spPr>
+          <a:xfrm>
+            <a:off x="2467992" y="3123229"/>
+            <a:ext cx="6471822" cy="1422138"/>
+          </a:xfrm>
+          <a:prstGeom prst="straightConnector1">
+            <a:avLst/>
+          </a:prstGeom>
+          <a:ln>
+            <a:tailEnd type="triangle"/>
+          </a:ln>
+        </p:spPr>
+        <p:style>
+          <a:lnRef idx="1">
+            <a:schemeClr val="accent1"/>
+          </a:lnRef>
+          <a:fillRef idx="0">
+            <a:schemeClr val="accent1"/>
+          </a:fillRef>
+          <a:effectRef idx="0">
+            <a:schemeClr val="accent1"/>
+          </a:effectRef>
+          <a:fontRef idx="minor">
+            <a:schemeClr val="tx1"/>
+          </a:fontRef>
+        </p:style>
+      </p:cxnSp>
+      <p:cxnSp>
+        <p:nvCxnSpPr>
+          <p:cNvPr id="17" name="直接箭头连接符 16">
+            <a:extLst>
+              <a:ext uri="{FF2B5EF4-FFF2-40B4-BE49-F238E27FC236}">
+                <a16:creationId xmlns:a16="http://schemas.microsoft.com/office/drawing/2014/main" id="{88DF7813-3EB4-469B-89EC-3422532F4989}"/>
+              </a:ext>
+            </a:extLst>
+          </p:cNvPr>
+          <p:cNvCxnSpPr/>
+          <p:nvPr/>
+        </p:nvCxnSpPr>
+        <p:spPr>
+          <a:xfrm>
+            <a:off x="2050742" y="3630967"/>
+            <a:ext cx="7815308" cy="2516819"/>
+          </a:xfrm>
+          <a:prstGeom prst="straightConnector1">
+            <a:avLst/>
+          </a:prstGeom>
+          <a:ln>
+            <a:tailEnd type="triangle"/>
+          </a:ln>
+        </p:spPr>
+        <p:style>
+          <a:lnRef idx="1">
+            <a:schemeClr val="accent1"/>
+          </a:lnRef>
+          <a:fillRef idx="0">
+            <a:schemeClr val="accent1"/>
+          </a:fillRef>
+          <a:effectRef idx="0">
+            <a:schemeClr val="accent1"/>
+          </a:effectRef>
+          <a:fontRef idx="minor">
+            <a:schemeClr val="tx1"/>
+          </a:fontRef>
+        </p:style>
+      </p:cxnSp>
     </p:spTree>
     <p:extLst>
       <p:ext uri="{BB962C8B-B14F-4D97-AF65-F5344CB8AC3E}">
-        <p14:creationId xmlns:p14="http://schemas.microsoft.com/office/powerpoint/2010/main" val="1711113874"/>
+        <p14:creationId xmlns:p14="http://schemas.microsoft.com/office/powerpoint/2010/main" val="955629660"/>
       </p:ext>
     </p:extLst>
   </p:cSld>
@@ -3714,7 +4465,7 @@
           <p:cNvPr id="2" name="标题 1">
             <a:extLst>
               <a:ext uri="{FF2B5EF4-FFF2-40B4-BE49-F238E27FC236}">
-                <a16:creationId xmlns:a16="http://schemas.microsoft.com/office/drawing/2014/main" id="{33E366C9-0DFF-464B-BBB1-1BC30F7525F0}"/>
+                <a16:creationId xmlns:a16="http://schemas.microsoft.com/office/drawing/2014/main" id="{E3E17E88-F6A7-4999-95AD-1D2EF3C72118}"/>
               </a:ext>
             </a:extLst>
           </p:cNvPr>
@@ -3732,7 +4483,7 @@
           <a:p>
             <a:r>
               <a:rPr lang="en-US" altLang="zh-CN" dirty="0"/>
-              <a:t>Data structures used </a:t>
+              <a:t>Setting</a:t>
             </a:r>
             <a:endParaRPr lang="zh-CN" altLang="en-US" dirty="0"/>
           </a:p>
@@ -3743,7 +4494,7 @@
           <p:cNvPr id="3" name="内容占位符 2">
             <a:extLst>
               <a:ext uri="{FF2B5EF4-FFF2-40B4-BE49-F238E27FC236}">
-                <a16:creationId xmlns:a16="http://schemas.microsoft.com/office/drawing/2014/main" id="{838BA88A-5840-495B-AB24-AF1AF36B4214}"/>
+                <a16:creationId xmlns:a16="http://schemas.microsoft.com/office/drawing/2014/main" id="{C14B5D8B-AF2D-4F11-852D-6D283A5F9E4E}"/>
               </a:ext>
             </a:extLst>
           </p:cNvPr>
@@ -3759,14 +4510,514 @@
           <a:bodyPr/>
           <a:lstStyle/>
           <a:p>
+            <a:r>
+              <a:rPr lang="en-US" altLang="zh-CN" dirty="0"/>
+              <a:t>Default values</a:t>
+            </a:r>
+          </a:p>
+          <a:p>
+            <a:r>
+              <a:rPr lang="en-US" altLang="zh-CN" dirty="0"/>
+              <a:t>Device settings</a:t>
+            </a:r>
+          </a:p>
+          <a:p>
+            <a:r>
+              <a:rPr lang="en-US" altLang="zh-CN" dirty="0"/>
+              <a:t>Debug Settings</a:t>
+            </a:r>
+            <a:endParaRPr lang="zh-CN" altLang="en-US" dirty="0"/>
+          </a:p>
+        </p:txBody>
+      </p:sp>
+      <p:pic>
+        <p:nvPicPr>
+          <p:cNvPr id="4" name="图片 3" descr="手机截图图社交软件的信息&#10;&#10;描述已自动生成">
+            <a:extLst>
+              <a:ext uri="{FF2B5EF4-FFF2-40B4-BE49-F238E27FC236}">
+                <a16:creationId xmlns:a16="http://schemas.microsoft.com/office/drawing/2014/main" id="{1ECA760E-0388-4445-AE28-E91B4CBB1950}"/>
+              </a:ext>
+            </a:extLst>
+          </p:cNvPr>
+          <p:cNvPicPr>
+            <a:picLocks noChangeAspect="1"/>
+          </p:cNvPicPr>
+          <p:nvPr/>
+        </p:nvPicPr>
+        <p:blipFill>
+          <a:blip r:embed="rId2"/>
+          <a:stretch>
+            <a:fillRect/>
+          </a:stretch>
+        </p:blipFill>
+        <p:spPr>
+          <a:xfrm>
+            <a:off x="6267450" y="1027906"/>
+            <a:ext cx="5924550" cy="5791200"/>
+          </a:xfrm>
+          <a:prstGeom prst="rect">
+            <a:avLst/>
+          </a:prstGeom>
+        </p:spPr>
+      </p:pic>
+      <p:cxnSp>
+        <p:nvCxnSpPr>
+          <p:cNvPr id="6" name="直接箭头连接符 5">
+            <a:extLst>
+              <a:ext uri="{FF2B5EF4-FFF2-40B4-BE49-F238E27FC236}">
+                <a16:creationId xmlns:a16="http://schemas.microsoft.com/office/drawing/2014/main" id="{D1798FFE-1058-4431-AF24-1DC38CE5BFD8}"/>
+              </a:ext>
+            </a:extLst>
+          </p:cNvPr>
+          <p:cNvCxnSpPr/>
+          <p:nvPr/>
+        </p:nvCxnSpPr>
+        <p:spPr>
+          <a:xfrm>
+            <a:off x="3435658" y="2079228"/>
+            <a:ext cx="4012707" cy="0"/>
+          </a:xfrm>
+          <a:prstGeom prst="straightConnector1">
+            <a:avLst/>
+          </a:prstGeom>
+          <a:ln>
+            <a:tailEnd type="triangle"/>
+          </a:ln>
+        </p:spPr>
+        <p:style>
+          <a:lnRef idx="1">
+            <a:schemeClr val="accent1"/>
+          </a:lnRef>
+          <a:fillRef idx="0">
+            <a:schemeClr val="accent1"/>
+          </a:fillRef>
+          <a:effectRef idx="0">
+            <a:schemeClr val="accent1"/>
+          </a:effectRef>
+          <a:fontRef idx="minor">
+            <a:schemeClr val="tx1"/>
+          </a:fontRef>
+        </p:style>
+      </p:cxnSp>
+      <p:cxnSp>
+        <p:nvCxnSpPr>
+          <p:cNvPr id="8" name="直接箭头连接符 7">
+            <a:extLst>
+              <a:ext uri="{FF2B5EF4-FFF2-40B4-BE49-F238E27FC236}">
+                <a16:creationId xmlns:a16="http://schemas.microsoft.com/office/drawing/2014/main" id="{F2988EC6-AB6E-4B0B-B8A0-39EB17A9B9EA}"/>
+              </a:ext>
+            </a:extLst>
+          </p:cNvPr>
+          <p:cNvCxnSpPr/>
+          <p:nvPr/>
+        </p:nvCxnSpPr>
+        <p:spPr>
+          <a:xfrm>
+            <a:off x="3435658" y="2086252"/>
+            <a:ext cx="4039340" cy="328474"/>
+          </a:xfrm>
+          <a:prstGeom prst="straightConnector1">
+            <a:avLst/>
+          </a:prstGeom>
+          <a:ln>
+            <a:tailEnd type="triangle"/>
+          </a:ln>
+        </p:spPr>
+        <p:style>
+          <a:lnRef idx="1">
+            <a:schemeClr val="accent1"/>
+          </a:lnRef>
+          <a:fillRef idx="0">
+            <a:schemeClr val="accent1"/>
+          </a:fillRef>
+          <a:effectRef idx="0">
+            <a:schemeClr val="accent1"/>
+          </a:effectRef>
+          <a:fontRef idx="minor">
+            <a:schemeClr val="tx1"/>
+          </a:fontRef>
+        </p:style>
+      </p:cxnSp>
+      <p:cxnSp>
+        <p:nvCxnSpPr>
+          <p:cNvPr id="12" name="直接箭头连接符 11">
+            <a:extLst>
+              <a:ext uri="{FF2B5EF4-FFF2-40B4-BE49-F238E27FC236}">
+                <a16:creationId xmlns:a16="http://schemas.microsoft.com/office/drawing/2014/main" id="{168E2D79-3891-4553-B24C-F055ED700F4A}"/>
+              </a:ext>
+            </a:extLst>
+          </p:cNvPr>
+          <p:cNvCxnSpPr/>
+          <p:nvPr/>
+        </p:nvCxnSpPr>
+        <p:spPr>
+          <a:xfrm>
+            <a:off x="3435658" y="2079228"/>
+            <a:ext cx="4012707" cy="1596127"/>
+          </a:xfrm>
+          <a:prstGeom prst="straightConnector1">
+            <a:avLst/>
+          </a:prstGeom>
+          <a:ln>
+            <a:tailEnd type="triangle"/>
+          </a:ln>
+        </p:spPr>
+        <p:style>
+          <a:lnRef idx="1">
+            <a:schemeClr val="accent1"/>
+          </a:lnRef>
+          <a:fillRef idx="0">
+            <a:schemeClr val="accent1"/>
+          </a:fillRef>
+          <a:effectRef idx="0">
+            <a:schemeClr val="accent1"/>
+          </a:effectRef>
+          <a:fontRef idx="minor">
+            <a:schemeClr val="tx1"/>
+          </a:fontRef>
+        </p:style>
+      </p:cxnSp>
+      <p:cxnSp>
+        <p:nvCxnSpPr>
+          <p:cNvPr id="16" name="直接箭头连接符 15">
+            <a:extLst>
+              <a:ext uri="{FF2B5EF4-FFF2-40B4-BE49-F238E27FC236}">
+                <a16:creationId xmlns:a16="http://schemas.microsoft.com/office/drawing/2014/main" id="{F81A8363-C1E1-450D-8EE8-BB0D74BD93DF}"/>
+              </a:ext>
+            </a:extLst>
+          </p:cNvPr>
+          <p:cNvCxnSpPr/>
+          <p:nvPr/>
+        </p:nvCxnSpPr>
+        <p:spPr>
+          <a:xfrm>
+            <a:off x="3435658" y="2072205"/>
+            <a:ext cx="4012707" cy="1851301"/>
+          </a:xfrm>
+          <a:prstGeom prst="straightConnector1">
+            <a:avLst/>
+          </a:prstGeom>
+          <a:ln>
+            <a:tailEnd type="triangle"/>
+          </a:ln>
+        </p:spPr>
+        <p:style>
+          <a:lnRef idx="1">
+            <a:schemeClr val="accent1"/>
+          </a:lnRef>
+          <a:fillRef idx="0">
+            <a:schemeClr val="accent1"/>
+          </a:fillRef>
+          <a:effectRef idx="0">
+            <a:schemeClr val="accent1"/>
+          </a:effectRef>
+          <a:fontRef idx="minor">
+            <a:schemeClr val="tx1"/>
+          </a:fontRef>
+        </p:style>
+      </p:cxnSp>
+      <p:cxnSp>
+        <p:nvCxnSpPr>
+          <p:cNvPr id="18" name="直接箭头连接符 17">
+            <a:extLst>
+              <a:ext uri="{FF2B5EF4-FFF2-40B4-BE49-F238E27FC236}">
+                <a16:creationId xmlns:a16="http://schemas.microsoft.com/office/drawing/2014/main" id="{B21B648C-D577-4902-8F64-CEFD267C448F}"/>
+              </a:ext>
+            </a:extLst>
+          </p:cNvPr>
+          <p:cNvCxnSpPr/>
+          <p:nvPr/>
+        </p:nvCxnSpPr>
+        <p:spPr>
+          <a:xfrm>
+            <a:off x="3435658" y="2079228"/>
+            <a:ext cx="6636798" cy="1844278"/>
+          </a:xfrm>
+          <a:prstGeom prst="straightConnector1">
+            <a:avLst/>
+          </a:prstGeom>
+          <a:ln>
+            <a:tailEnd type="triangle"/>
+          </a:ln>
+        </p:spPr>
+        <p:style>
+          <a:lnRef idx="1">
+            <a:schemeClr val="accent1"/>
+          </a:lnRef>
+          <a:fillRef idx="0">
+            <a:schemeClr val="accent1"/>
+          </a:fillRef>
+          <a:effectRef idx="0">
+            <a:schemeClr val="accent1"/>
+          </a:effectRef>
+          <a:fontRef idx="minor">
+            <a:schemeClr val="tx1"/>
+          </a:fontRef>
+        </p:style>
+      </p:cxnSp>
+      <p:cxnSp>
+        <p:nvCxnSpPr>
+          <p:cNvPr id="20" name="直接箭头连接符 19">
+            <a:extLst>
+              <a:ext uri="{FF2B5EF4-FFF2-40B4-BE49-F238E27FC236}">
+                <a16:creationId xmlns:a16="http://schemas.microsoft.com/office/drawing/2014/main" id="{E07DC611-2130-4BD0-8B30-EDC609714FA9}"/>
+              </a:ext>
+            </a:extLst>
+          </p:cNvPr>
+          <p:cNvCxnSpPr/>
+          <p:nvPr/>
+        </p:nvCxnSpPr>
+        <p:spPr>
+          <a:xfrm>
+            <a:off x="3435658" y="2086252"/>
+            <a:ext cx="5885895" cy="2210540"/>
+          </a:xfrm>
+          <a:prstGeom prst="straightConnector1">
+            <a:avLst/>
+          </a:prstGeom>
+          <a:ln>
+            <a:tailEnd type="triangle"/>
+          </a:ln>
+        </p:spPr>
+        <p:style>
+          <a:lnRef idx="1">
+            <a:schemeClr val="accent1"/>
+          </a:lnRef>
+          <a:fillRef idx="0">
+            <a:schemeClr val="accent1"/>
+          </a:fillRef>
+          <a:effectRef idx="0">
+            <a:schemeClr val="accent1"/>
+          </a:effectRef>
+          <a:fontRef idx="minor">
+            <a:schemeClr val="tx1"/>
+          </a:fontRef>
+        </p:style>
+      </p:cxnSp>
+      <p:cxnSp>
+        <p:nvCxnSpPr>
+          <p:cNvPr id="24" name="直接箭头连接符 23">
+            <a:extLst>
+              <a:ext uri="{FF2B5EF4-FFF2-40B4-BE49-F238E27FC236}">
+                <a16:creationId xmlns:a16="http://schemas.microsoft.com/office/drawing/2014/main" id="{43C9CB49-E98E-45C3-A418-88D81615E0EA}"/>
+              </a:ext>
+            </a:extLst>
+          </p:cNvPr>
+          <p:cNvCxnSpPr/>
+          <p:nvPr/>
+        </p:nvCxnSpPr>
+        <p:spPr>
+          <a:xfrm>
+            <a:off x="3435658" y="2592280"/>
+            <a:ext cx="4243526" cy="506027"/>
+          </a:xfrm>
+          <a:prstGeom prst="straightConnector1">
+            <a:avLst/>
+          </a:prstGeom>
+          <a:ln>
+            <a:solidFill>
+              <a:srgbClr val="FF0000"/>
+            </a:solidFill>
+            <a:tailEnd type="triangle"/>
+          </a:ln>
+        </p:spPr>
+        <p:style>
+          <a:lnRef idx="1">
+            <a:schemeClr val="accent1"/>
+          </a:lnRef>
+          <a:fillRef idx="0">
+            <a:schemeClr val="accent1"/>
+          </a:fillRef>
+          <a:effectRef idx="0">
+            <a:schemeClr val="accent1"/>
+          </a:effectRef>
+          <a:fontRef idx="minor">
+            <a:schemeClr val="tx1"/>
+          </a:fontRef>
+        </p:style>
+      </p:cxnSp>
+      <p:cxnSp>
+        <p:nvCxnSpPr>
+          <p:cNvPr id="26" name="直接箭头连接符 25">
+            <a:extLst>
+              <a:ext uri="{FF2B5EF4-FFF2-40B4-BE49-F238E27FC236}">
+                <a16:creationId xmlns:a16="http://schemas.microsoft.com/office/drawing/2014/main" id="{9F97C1A6-FD75-45C7-9FE5-F72386379252}"/>
+              </a:ext>
+            </a:extLst>
+          </p:cNvPr>
+          <p:cNvCxnSpPr/>
+          <p:nvPr/>
+        </p:nvCxnSpPr>
+        <p:spPr>
+          <a:xfrm>
+            <a:off x="3435658" y="2580605"/>
+            <a:ext cx="4589756" cy="2216616"/>
+          </a:xfrm>
+          <a:prstGeom prst="straightConnector1">
+            <a:avLst/>
+          </a:prstGeom>
+          <a:ln>
+            <a:solidFill>
+              <a:srgbClr val="FF0000"/>
+            </a:solidFill>
+            <a:tailEnd type="triangle"/>
+          </a:ln>
+        </p:spPr>
+        <p:style>
+          <a:lnRef idx="1">
+            <a:schemeClr val="accent1"/>
+          </a:lnRef>
+          <a:fillRef idx="0">
+            <a:schemeClr val="accent1"/>
+          </a:fillRef>
+          <a:effectRef idx="0">
+            <a:schemeClr val="accent1"/>
+          </a:effectRef>
+          <a:fontRef idx="minor">
+            <a:schemeClr val="tx1"/>
+          </a:fontRef>
+        </p:style>
+      </p:cxnSp>
+      <p:cxnSp>
+        <p:nvCxnSpPr>
+          <p:cNvPr id="28" name="直接箭头连接符 27">
+            <a:extLst>
+              <a:ext uri="{FF2B5EF4-FFF2-40B4-BE49-F238E27FC236}">
+                <a16:creationId xmlns:a16="http://schemas.microsoft.com/office/drawing/2014/main" id="{EFE401BD-729B-4CD6-9EC7-80ABAFCCBF73}"/>
+              </a:ext>
+            </a:extLst>
+          </p:cNvPr>
+          <p:cNvCxnSpPr/>
+          <p:nvPr/>
+        </p:nvCxnSpPr>
+        <p:spPr>
+          <a:xfrm>
+            <a:off x="3435658" y="2592280"/>
+            <a:ext cx="6977849" cy="2228295"/>
+          </a:xfrm>
+          <a:prstGeom prst="straightConnector1">
+            <a:avLst/>
+          </a:prstGeom>
+          <a:ln>
+            <a:solidFill>
+              <a:srgbClr val="FF0000"/>
+            </a:solidFill>
+            <a:tailEnd type="triangle"/>
+          </a:ln>
+        </p:spPr>
+        <p:style>
+          <a:lnRef idx="1">
+            <a:schemeClr val="accent1"/>
+          </a:lnRef>
+          <a:fillRef idx="0">
+            <a:schemeClr val="accent1"/>
+          </a:fillRef>
+          <a:effectRef idx="0">
+            <a:schemeClr val="accent1"/>
+          </a:effectRef>
+          <a:fontRef idx="minor">
+            <a:schemeClr val="tx1"/>
+          </a:fontRef>
+        </p:style>
+      </p:cxnSp>
+      <p:sp>
+        <p:nvSpPr>
+          <p:cNvPr id="30" name="矩形 29">
+            <a:extLst>
+              <a:ext uri="{FF2B5EF4-FFF2-40B4-BE49-F238E27FC236}">
+                <a16:creationId xmlns:a16="http://schemas.microsoft.com/office/drawing/2014/main" id="{23B6EE89-E603-4D3B-8869-0E2B4F42C582}"/>
+              </a:ext>
+            </a:extLst>
+          </p:cNvPr>
+          <p:cNvSpPr/>
+          <p:nvPr/>
+        </p:nvSpPr>
+        <p:spPr>
+          <a:xfrm>
+            <a:off x="6515100" y="5095783"/>
+            <a:ext cx="5354345" cy="798990"/>
+          </a:xfrm>
+          <a:prstGeom prst="rect">
+            <a:avLst/>
+          </a:prstGeom>
+          <a:noFill/>
+          <a:ln>
+            <a:solidFill>
+              <a:srgbClr val="00B050"/>
+            </a:solidFill>
+          </a:ln>
+        </p:spPr>
+        <p:style>
+          <a:lnRef idx="2">
+            <a:schemeClr val="accent1">
+              <a:shade val="50000"/>
+            </a:schemeClr>
+          </a:lnRef>
+          <a:fillRef idx="1">
+            <a:schemeClr val="accent1"/>
+          </a:fillRef>
+          <a:effectRef idx="0">
+            <a:schemeClr val="accent1"/>
+          </a:effectRef>
+          <a:fontRef idx="minor">
+            <a:schemeClr val="lt1"/>
+          </a:fontRef>
+        </p:style>
+        <p:txBody>
+          <a:bodyPr rtlCol="0" anchor="ctr"/>
+          <a:lstStyle/>
+          <a:p>
+            <a:pPr algn="ctr"/>
             <a:endParaRPr lang="zh-CN" altLang="en-US"/>
           </a:p>
         </p:txBody>
       </p:sp>
+      <p:cxnSp>
+        <p:nvCxnSpPr>
+          <p:cNvPr id="32" name="直接箭头连接符 31">
+            <a:extLst>
+              <a:ext uri="{FF2B5EF4-FFF2-40B4-BE49-F238E27FC236}">
+                <a16:creationId xmlns:a16="http://schemas.microsoft.com/office/drawing/2014/main" id="{0800B539-E82C-4D40-8D78-2E657AAB6813}"/>
+              </a:ext>
+            </a:extLst>
+          </p:cNvPr>
+          <p:cNvCxnSpPr/>
+          <p:nvPr/>
+        </p:nvCxnSpPr>
+        <p:spPr>
+          <a:xfrm>
+            <a:off x="3586579" y="3109982"/>
+            <a:ext cx="2928521" cy="1985801"/>
+          </a:xfrm>
+          <a:prstGeom prst="straightConnector1">
+            <a:avLst/>
+          </a:prstGeom>
+          <a:ln>
+            <a:solidFill>
+              <a:srgbClr val="00B050"/>
+            </a:solidFill>
+            <a:tailEnd type="triangle"/>
+          </a:ln>
+        </p:spPr>
+        <p:style>
+          <a:lnRef idx="1">
+            <a:schemeClr val="accent1"/>
+          </a:lnRef>
+          <a:fillRef idx="0">
+            <a:schemeClr val="accent1"/>
+          </a:fillRef>
+          <a:effectRef idx="0">
+            <a:schemeClr val="accent1"/>
+          </a:effectRef>
+          <a:fontRef idx="minor">
+            <a:schemeClr val="tx1"/>
+          </a:fontRef>
+        </p:style>
+      </p:cxnSp>
     </p:spTree>
     <p:extLst>
       <p:ext uri="{BB962C8B-B14F-4D97-AF65-F5344CB8AC3E}">
-        <p14:creationId xmlns:p14="http://schemas.microsoft.com/office/powerpoint/2010/main" val="3827581956"/>
+        <p14:creationId xmlns:p14="http://schemas.microsoft.com/office/powerpoint/2010/main" val="548236338"/>
       </p:ext>
     </p:extLst>
   </p:cSld>
@@ -3798,7 +5049,7 @@
           <p:cNvPr id="2" name="标题 1">
             <a:extLst>
               <a:ext uri="{FF2B5EF4-FFF2-40B4-BE49-F238E27FC236}">
-                <a16:creationId xmlns:a16="http://schemas.microsoft.com/office/drawing/2014/main" id="{BF824182-CD9C-4AD9-9058-78308177C2A3}"/>
+                <a16:creationId xmlns:a16="http://schemas.microsoft.com/office/drawing/2014/main" id="{116FB1E9-C331-41EA-9171-FF697CF72667}"/>
               </a:ext>
             </a:extLst>
           </p:cNvPr>
@@ -3816,7 +5067,7 @@
           <a:p>
             <a:r>
               <a:rPr lang="en-US" altLang="zh-CN" dirty="0"/>
-              <a:t>External libraries used</a:t>
+              <a:t>Computer vision</a:t>
             </a:r>
             <a:endParaRPr lang="zh-CN" altLang="en-US" dirty="0"/>
           </a:p>
@@ -3827,7 +5078,7 @@
           <p:cNvPr id="3" name="内容占位符 2">
             <a:extLst>
               <a:ext uri="{FF2B5EF4-FFF2-40B4-BE49-F238E27FC236}">
-                <a16:creationId xmlns:a16="http://schemas.microsoft.com/office/drawing/2014/main" id="{B117AA3C-B15D-4CA8-9A0D-C1AAC6489CB6}"/>
+                <a16:creationId xmlns:a16="http://schemas.microsoft.com/office/drawing/2014/main" id="{7082EF66-A3EB-4B73-858F-60FC632CE6AE}"/>
               </a:ext>
             </a:extLst>
           </p:cNvPr>
@@ -3843,14 +5094,43 @@
           <a:bodyPr/>
           <a:lstStyle/>
           <a:p>
-            <a:endParaRPr lang="zh-CN" altLang="en-US" dirty="0"/>
-          </a:p>
-        </p:txBody>
-      </p:sp>
+            <a:endParaRPr lang="zh-CN" altLang="en-US"/>
+          </a:p>
+        </p:txBody>
+      </p:sp>
+      <p:pic>
+        <p:nvPicPr>
+          <p:cNvPr id="8" name="图片 7">
+            <a:extLst>
+              <a:ext uri="{FF2B5EF4-FFF2-40B4-BE49-F238E27FC236}">
+                <a16:creationId xmlns:a16="http://schemas.microsoft.com/office/drawing/2014/main" id="{1F7652A5-F4A8-4962-B255-A5A5D82CCDBA}"/>
+              </a:ext>
+            </a:extLst>
+          </p:cNvPr>
+          <p:cNvPicPr>
+            <a:picLocks noChangeAspect="1"/>
+          </p:cNvPicPr>
+          <p:nvPr/>
+        </p:nvPicPr>
+        <p:blipFill rotWithShape="1">
+          <a:blip r:embed="rId2"/>
+          <a:srcRect l="2403" t="6963" r="8107" b="7432"/>
+          <a:stretch/>
+        </p:blipFill>
+        <p:spPr>
+          <a:xfrm>
+            <a:off x="1009095" y="1550249"/>
+            <a:ext cx="10173810" cy="5289719"/>
+          </a:xfrm>
+          <a:prstGeom prst="rect">
+            <a:avLst/>
+          </a:prstGeom>
+        </p:spPr>
+      </p:pic>
     </p:spTree>
     <p:extLst>
       <p:ext uri="{BB962C8B-B14F-4D97-AF65-F5344CB8AC3E}">
-        <p14:creationId xmlns:p14="http://schemas.microsoft.com/office/powerpoint/2010/main" val="248577771"/>
+        <p14:creationId xmlns:p14="http://schemas.microsoft.com/office/powerpoint/2010/main" val="1882574328"/>
       </p:ext>
     </p:extLst>
   </p:cSld>
@@ -3882,7 +5162,7 @@
           <p:cNvPr id="2" name="标题 1">
             <a:extLst>
               <a:ext uri="{FF2B5EF4-FFF2-40B4-BE49-F238E27FC236}">
-                <a16:creationId xmlns:a16="http://schemas.microsoft.com/office/drawing/2014/main" id="{66130AEF-E5F4-4D9C-97D0-36B4832DC207}"/>
+                <a16:creationId xmlns:a16="http://schemas.microsoft.com/office/drawing/2014/main" id="{78A0990F-8B1E-47E4-9A25-745E5CF35801}"/>
               </a:ext>
             </a:extLst>
           </p:cNvPr>
@@ -3898,43 +5178,415 @@
           <a:bodyPr/>
           <a:lstStyle/>
           <a:p>
+            <a:endParaRPr lang="zh-CN" altLang="en-US"/>
+          </a:p>
+        </p:txBody>
+      </p:sp>
+      <p:sp>
+        <p:nvSpPr>
+          <p:cNvPr id="3" name="内容占位符 2">
+            <a:extLst>
+              <a:ext uri="{FF2B5EF4-FFF2-40B4-BE49-F238E27FC236}">
+                <a16:creationId xmlns:a16="http://schemas.microsoft.com/office/drawing/2014/main" id="{056AC162-F28E-4823-86B6-BF0EFFA9D042}"/>
+              </a:ext>
+            </a:extLst>
+          </p:cNvPr>
+          <p:cNvSpPr>
+            <a:spLocks noGrp="1"/>
+          </p:cNvSpPr>
+          <p:nvPr>
+            <p:ph idx="1"/>
+          </p:nvPr>
+        </p:nvSpPr>
+        <p:spPr>
+          <a:xfrm>
+            <a:off x="838200" y="1825625"/>
+            <a:ext cx="4301971" cy="4351338"/>
+          </a:xfrm>
+        </p:spPr>
+        <p:txBody>
+          <a:bodyPr/>
+          <a:lstStyle/>
+          <a:p>
             <a:r>
               <a:rPr lang="en-US" altLang="zh-CN" dirty="0"/>
-              <a:t>Conclusion</a:t>
-            </a:r>
-            <a:endParaRPr lang="zh-CN" altLang="en-US" dirty="0"/>
-          </a:p>
-        </p:txBody>
-      </p:sp>
-      <p:sp>
-        <p:nvSpPr>
-          <p:cNvPr id="3" name="内容占位符 2">
-            <a:extLst>
-              <a:ext uri="{FF2B5EF4-FFF2-40B4-BE49-F238E27FC236}">
-                <a16:creationId xmlns:a16="http://schemas.microsoft.com/office/drawing/2014/main" id="{6CF78855-8C3F-4080-ACB2-3C3BB868E9BF}"/>
-              </a:ext>
-            </a:extLst>
-          </p:cNvPr>
-          <p:cNvSpPr>
-            <a:spLocks noGrp="1"/>
-          </p:cNvSpPr>
-          <p:nvPr>
-            <p:ph idx="1"/>
-          </p:nvPr>
-        </p:nvSpPr>
-        <p:spPr/>
-        <p:txBody>
-          <a:bodyPr/>
-          <a:lstStyle/>
-          <a:p>
-            <a:endParaRPr lang="zh-CN" altLang="en-US" dirty="0"/>
-          </a:p>
-        </p:txBody>
-      </p:sp>
+              <a:t>Facial recognition</a:t>
+            </a:r>
+          </a:p>
+          <a:p>
+            <a:pPr marL="457200" lvl="1" indent="0">
+              <a:buNone/>
+            </a:pPr>
+            <a:r>
+              <a:rPr lang="en-US" altLang="zh-CN" dirty="0"/>
+              <a:t>(Not shown)</a:t>
+            </a:r>
+          </a:p>
+          <a:p>
+            <a:r>
+              <a:rPr lang="en-US" altLang="zh-CN" dirty="0"/>
+              <a:t>Facial Landmark detection</a:t>
+            </a:r>
+          </a:p>
+          <a:p>
+            <a:pPr marL="457200" lvl="1" indent="0">
+              <a:buNone/>
+            </a:pPr>
+            <a:r>
+              <a:rPr lang="en-US" altLang="zh-CN" dirty="0"/>
+              <a:t>(Red dots)</a:t>
+            </a:r>
+          </a:p>
+          <a:p>
+            <a:r>
+              <a:rPr lang="en-US" altLang="zh-CN" dirty="0"/>
+              <a:t>Iris detection</a:t>
+            </a:r>
+          </a:p>
+          <a:p>
+            <a:pPr marL="457200" lvl="1" indent="0">
+              <a:buNone/>
+            </a:pPr>
+            <a:r>
+              <a:rPr lang="en-US" altLang="zh-CN" dirty="0"/>
+              <a:t>(Blue dots)</a:t>
+            </a:r>
+          </a:p>
+          <a:p>
+            <a:endParaRPr lang="en-US" altLang="zh-CN" dirty="0"/>
+          </a:p>
+        </p:txBody>
+      </p:sp>
+      <p:pic>
+        <p:nvPicPr>
+          <p:cNvPr id="4" name="图片 3">
+            <a:extLst>
+              <a:ext uri="{FF2B5EF4-FFF2-40B4-BE49-F238E27FC236}">
+                <a16:creationId xmlns:a16="http://schemas.microsoft.com/office/drawing/2014/main" id="{187D6180-35E3-405A-8594-E864B5161DC7}"/>
+              </a:ext>
+            </a:extLst>
+          </p:cNvPr>
+          <p:cNvPicPr>
+            <a:picLocks noChangeAspect="1"/>
+          </p:cNvPicPr>
+          <p:nvPr/>
+        </p:nvPicPr>
+        <p:blipFill rotWithShape="1">
+          <a:blip r:embed="rId2"/>
+          <a:srcRect l="24611" t="5087" r="16626" b="8532"/>
+          <a:stretch/>
+        </p:blipFill>
+        <p:spPr>
+          <a:xfrm>
+            <a:off x="5213040" y="1287261"/>
+            <a:ext cx="6978960" cy="5576133"/>
+          </a:xfrm>
+          <a:prstGeom prst="rect">
+            <a:avLst/>
+          </a:prstGeom>
+        </p:spPr>
+      </p:pic>
+      <p:sp>
+        <p:nvSpPr>
+          <p:cNvPr id="5" name="矩形 4">
+            <a:extLst>
+              <a:ext uri="{FF2B5EF4-FFF2-40B4-BE49-F238E27FC236}">
+                <a16:creationId xmlns:a16="http://schemas.microsoft.com/office/drawing/2014/main" id="{7004DE7F-FAB2-44D0-9DA6-F1F6D7CC0C07}"/>
+              </a:ext>
+            </a:extLst>
+          </p:cNvPr>
+          <p:cNvSpPr/>
+          <p:nvPr/>
+        </p:nvSpPr>
+        <p:spPr>
+          <a:xfrm>
+            <a:off x="8105313" y="3027285"/>
+            <a:ext cx="2041864" cy="2476870"/>
+          </a:xfrm>
+          <a:prstGeom prst="rect">
+            <a:avLst/>
+          </a:prstGeom>
+          <a:noFill/>
+          <a:ln>
+            <a:solidFill>
+              <a:schemeClr val="accent6"/>
+            </a:solidFill>
+          </a:ln>
+        </p:spPr>
+        <p:style>
+          <a:lnRef idx="2">
+            <a:schemeClr val="accent1">
+              <a:shade val="50000"/>
+            </a:schemeClr>
+          </a:lnRef>
+          <a:fillRef idx="1">
+            <a:schemeClr val="accent1"/>
+          </a:fillRef>
+          <a:effectRef idx="0">
+            <a:schemeClr val="accent1"/>
+          </a:effectRef>
+          <a:fontRef idx="minor">
+            <a:schemeClr val="lt1"/>
+          </a:fontRef>
+        </p:style>
+        <p:txBody>
+          <a:bodyPr rtlCol="0" anchor="ctr"/>
+          <a:lstStyle/>
+          <a:p>
+            <a:pPr algn="ctr"/>
+            <a:endParaRPr lang="zh-CN" altLang="en-US"/>
+          </a:p>
+        </p:txBody>
+      </p:sp>
+      <p:cxnSp>
+        <p:nvCxnSpPr>
+          <p:cNvPr id="7" name="直接箭头连接符 6">
+            <a:extLst>
+              <a:ext uri="{FF2B5EF4-FFF2-40B4-BE49-F238E27FC236}">
+                <a16:creationId xmlns:a16="http://schemas.microsoft.com/office/drawing/2014/main" id="{3525BA58-E97D-4118-B29F-C11DF865BD9B}"/>
+              </a:ext>
+            </a:extLst>
+          </p:cNvPr>
+          <p:cNvCxnSpPr/>
+          <p:nvPr/>
+        </p:nvCxnSpPr>
+        <p:spPr>
+          <a:xfrm>
+            <a:off x="3870664" y="2104008"/>
+            <a:ext cx="4234649" cy="1047180"/>
+          </a:xfrm>
+          <a:prstGeom prst="straightConnector1">
+            <a:avLst/>
+          </a:prstGeom>
+          <a:ln w="19050">
+            <a:tailEnd type="triangle"/>
+          </a:ln>
+        </p:spPr>
+        <p:style>
+          <a:lnRef idx="1">
+            <a:schemeClr val="accent1"/>
+          </a:lnRef>
+          <a:fillRef idx="0">
+            <a:schemeClr val="accent1"/>
+          </a:fillRef>
+          <a:effectRef idx="0">
+            <a:schemeClr val="accent1"/>
+          </a:effectRef>
+          <a:fontRef idx="minor">
+            <a:schemeClr val="tx1"/>
+          </a:fontRef>
+        </p:style>
+      </p:cxnSp>
     </p:spTree>
     <p:extLst>
       <p:ext uri="{BB962C8B-B14F-4D97-AF65-F5344CB8AC3E}">
-        <p14:creationId xmlns:p14="http://schemas.microsoft.com/office/powerpoint/2010/main" val="2614397928"/>
+        <p14:creationId xmlns:p14="http://schemas.microsoft.com/office/powerpoint/2010/main" val="1294026821"/>
+      </p:ext>
+    </p:extLst>
+  </p:cSld>
+  <p:clrMapOvr>
+    <a:masterClrMapping/>
+  </p:clrMapOvr>
+</p:sld>
+</file>
+
+<file path=ppt/slides/slide8.xml><?xml version="1.0" encoding="utf-8"?>
+<p:sld xmlns:a="http://schemas.openxmlformats.org/drawingml/2006/main" xmlns:r="http://schemas.openxmlformats.org/officeDocument/2006/relationships" xmlns:p="http://schemas.openxmlformats.org/presentationml/2006/main">
+  <p:cSld>
+    <p:spTree>
+      <p:nvGrpSpPr>
+        <p:cNvPr id="1" name=""/>
+        <p:cNvGrpSpPr/>
+        <p:nvPr/>
+      </p:nvGrpSpPr>
+      <p:grpSpPr>
+        <a:xfrm>
+          <a:off x="0" y="0"/>
+          <a:ext cx="0" cy="0"/>
+          <a:chOff x="0" y="0"/>
+          <a:chExt cx="0" cy="0"/>
+        </a:xfrm>
+      </p:grpSpPr>
+      <p:sp>
+        <p:nvSpPr>
+          <p:cNvPr id="2" name="标题 1">
+            <a:extLst>
+              <a:ext uri="{FF2B5EF4-FFF2-40B4-BE49-F238E27FC236}">
+                <a16:creationId xmlns:a16="http://schemas.microsoft.com/office/drawing/2014/main" id="{CB6C7B60-5B35-4B52-ABDB-32B8CBEEC731}"/>
+              </a:ext>
+            </a:extLst>
+          </p:cNvPr>
+          <p:cNvSpPr>
+            <a:spLocks noGrp="1"/>
+          </p:cNvSpPr>
+          <p:nvPr>
+            <p:ph type="title"/>
+          </p:nvPr>
+        </p:nvSpPr>
+        <p:spPr/>
+        <p:txBody>
+          <a:bodyPr/>
+          <a:lstStyle/>
+          <a:p>
+            <a:r>
+              <a:rPr lang="en-US" altLang="zh-CN" dirty="0"/>
+              <a:t>Parse to Live2D motion data</a:t>
+            </a:r>
+            <a:endParaRPr lang="zh-CN" altLang="en-US" dirty="0"/>
+          </a:p>
+        </p:txBody>
+      </p:sp>
+      <p:sp>
+        <p:nvSpPr>
+          <p:cNvPr id="3" name="内容占位符 2">
+            <a:extLst>
+              <a:ext uri="{FF2B5EF4-FFF2-40B4-BE49-F238E27FC236}">
+                <a16:creationId xmlns:a16="http://schemas.microsoft.com/office/drawing/2014/main" id="{D9E40EDE-F48C-4359-B3F1-5F4DE994BB38}"/>
+              </a:ext>
+            </a:extLst>
+          </p:cNvPr>
+          <p:cNvSpPr>
+            <a:spLocks noGrp="1"/>
+          </p:cNvSpPr>
+          <p:nvPr>
+            <p:ph idx="1"/>
+          </p:nvPr>
+        </p:nvSpPr>
+        <p:spPr>
+          <a:xfrm>
+            <a:off x="838200" y="1825625"/>
+            <a:ext cx="8731928" cy="4351338"/>
+          </a:xfrm>
+        </p:spPr>
+        <p:txBody>
+          <a:bodyPr/>
+          <a:lstStyle/>
+          <a:p>
+            <a:r>
+              <a:rPr lang="en-US" altLang="zh-CN" dirty="0"/>
+              <a:t>Implicitly translate dots into these data that Live2D reads</a:t>
+            </a:r>
+            <a:endParaRPr lang="zh-CN" altLang="en-US" dirty="0"/>
+          </a:p>
+        </p:txBody>
+      </p:sp>
+      <p:pic>
+        <p:nvPicPr>
+          <p:cNvPr id="4" name="图片 3">
+            <a:extLst>
+              <a:ext uri="{FF2B5EF4-FFF2-40B4-BE49-F238E27FC236}">
+                <a16:creationId xmlns:a16="http://schemas.microsoft.com/office/drawing/2014/main" id="{B57117F0-2BEF-4624-A73C-DA433A655C68}"/>
+              </a:ext>
+            </a:extLst>
+          </p:cNvPr>
+          <p:cNvPicPr>
+            <a:picLocks noChangeAspect="1"/>
+          </p:cNvPicPr>
+          <p:nvPr/>
+        </p:nvPicPr>
+        <p:blipFill rotWithShape="1">
+          <a:blip r:embed="rId2"/>
+          <a:srcRect t="-36" r="75550" b="1"/>
+          <a:stretch/>
+        </p:blipFill>
+        <p:spPr>
+          <a:xfrm>
+            <a:off x="9705693" y="967982"/>
+            <a:ext cx="2486307" cy="5293658"/>
+          </a:xfrm>
+          <a:prstGeom prst="rect">
+            <a:avLst/>
+          </a:prstGeom>
+        </p:spPr>
+      </p:pic>
+    </p:spTree>
+    <p:extLst>
+      <p:ext uri="{BB962C8B-B14F-4D97-AF65-F5344CB8AC3E}">
+        <p14:creationId xmlns:p14="http://schemas.microsoft.com/office/powerpoint/2010/main" val="661942020"/>
+      </p:ext>
+    </p:extLst>
+  </p:cSld>
+  <p:clrMapOvr>
+    <a:masterClrMapping/>
+  </p:clrMapOvr>
+</p:sld>
+</file>
+
+<file path=ppt/slides/slide9.xml><?xml version="1.0" encoding="utf-8"?>
+<p:sld xmlns:a="http://schemas.openxmlformats.org/drawingml/2006/main" xmlns:r="http://schemas.openxmlformats.org/officeDocument/2006/relationships" xmlns:p="http://schemas.openxmlformats.org/presentationml/2006/main">
+  <p:cSld>
+    <p:spTree>
+      <p:nvGrpSpPr>
+        <p:cNvPr id="1" name=""/>
+        <p:cNvGrpSpPr/>
+        <p:nvPr/>
+      </p:nvGrpSpPr>
+      <p:grpSpPr>
+        <a:xfrm>
+          <a:off x="0" y="0"/>
+          <a:ext cx="0" cy="0"/>
+          <a:chOff x="0" y="0"/>
+          <a:chExt cx="0" cy="0"/>
+        </a:xfrm>
+      </p:grpSpPr>
+      <p:sp>
+        <p:nvSpPr>
+          <p:cNvPr id="2" name="标题 1">
+            <a:extLst>
+              <a:ext uri="{FF2B5EF4-FFF2-40B4-BE49-F238E27FC236}">
+                <a16:creationId xmlns:a16="http://schemas.microsoft.com/office/drawing/2014/main" id="{D4E86F7F-46EE-4B97-B570-8EE32E806395}"/>
+              </a:ext>
+            </a:extLst>
+          </p:cNvPr>
+          <p:cNvSpPr>
+            <a:spLocks noGrp="1"/>
+          </p:cNvSpPr>
+          <p:nvPr>
+            <p:ph type="title"/>
+          </p:nvPr>
+        </p:nvSpPr>
+        <p:spPr/>
+        <p:txBody>
+          <a:bodyPr/>
+          <a:lstStyle/>
+          <a:p>
+            <a:r>
+              <a:rPr lang="en-US" altLang="zh-CN" dirty="0"/>
+              <a:t>Live2D</a:t>
+            </a:r>
+            <a:endParaRPr lang="zh-CN" altLang="en-US" dirty="0"/>
+          </a:p>
+        </p:txBody>
+      </p:sp>
+      <p:sp>
+        <p:nvSpPr>
+          <p:cNvPr id="3" name="内容占位符 2">
+            <a:extLst>
+              <a:ext uri="{FF2B5EF4-FFF2-40B4-BE49-F238E27FC236}">
+                <a16:creationId xmlns:a16="http://schemas.microsoft.com/office/drawing/2014/main" id="{A1C04E87-BE61-4189-977F-C8898BEBC1EC}"/>
+              </a:ext>
+            </a:extLst>
+          </p:cNvPr>
+          <p:cNvSpPr>
+            <a:spLocks noGrp="1"/>
+          </p:cNvSpPr>
+          <p:nvPr>
+            <p:ph idx="1"/>
+          </p:nvPr>
+        </p:nvSpPr>
+        <p:spPr/>
+        <p:txBody>
+          <a:bodyPr/>
+          <a:lstStyle/>
+          <a:p>
+            <a:endParaRPr lang="zh-CN" altLang="en-US" dirty="0"/>
+          </a:p>
+        </p:txBody>
+      </p:sp>
+    </p:spTree>
+    <p:extLst>
+      <p:ext uri="{BB962C8B-B14F-4D97-AF65-F5344CB8AC3E}">
+        <p14:creationId xmlns:p14="http://schemas.microsoft.com/office/powerpoint/2010/main" val="3370222730"/>
       </p:ext>
     </p:extLst>
   </p:cSld>
